--- a/thesis/vortrag/bachelorarbeit_vortrag.pptx
+++ b/thesis/vortrag/bachelorarbeit_vortrag.pptx
@@ -17,13 +17,13 @@
     <p:sldId id="296" r:id="rId8"/>
     <p:sldId id="299" r:id="rId9"/>
     <p:sldId id="300" r:id="rId10"/>
-    <p:sldId id="294" r:id="rId11"/>
-    <p:sldId id="291" r:id="rId12"/>
-    <p:sldId id="290" r:id="rId13"/>
-    <p:sldId id="289" r:id="rId14"/>
-    <p:sldId id="292" r:id="rId15"/>
-    <p:sldId id="288" r:id="rId16"/>
-    <p:sldId id="282" r:id="rId17"/>
+    <p:sldId id="290" r:id="rId11"/>
+    <p:sldId id="289" r:id="rId12"/>
+    <p:sldId id="294" r:id="rId13"/>
+    <p:sldId id="302" r:id="rId14"/>
+    <p:sldId id="303" r:id="rId15"/>
+    <p:sldId id="301" r:id="rId16"/>
+    <p:sldId id="288" r:id="rId17"/>
     <p:sldId id="286" r:id="rId18"/>
     <p:sldId id="281" r:id="rId19"/>
   </p:sldIdLst>
@@ -538,6 +538,32 @@
 </p:presentation>
 </file>
 
+<file path=ppt/commentAuthors.xml><?xml version="1.0" encoding="utf-8"?>
+<p:cmAuthorLst xmlns:a="http://schemas.openxmlformats.org/drawingml/2006/main" xmlns:r="http://schemas.openxmlformats.org/officeDocument/2006/relationships" xmlns:p="http://schemas.openxmlformats.org/presentationml/2006/main">
+  <p:cmAuthor id="1" name="laptop_oliver" initials="l" lastIdx="4" clrIdx="0">
+    <p:extLst>
+      <p:ext uri="{19B8F6BF-5375-455C-9EA6-DF929625EA0E}">
+        <p15:presenceInfo xmlns:p15="http://schemas.microsoft.com/office/powerpoint/2012/main" userId="laptop_oliver" providerId="None"/>
+      </p:ext>
+    </p:extLst>
+  </p:cmAuthor>
+</p:cmAuthorLst>
+</file>
+
+<file path=ppt/comments/comment1.xml><?xml version="1.0" encoding="utf-8"?>
+<p:cmLst xmlns:a="http://schemas.openxmlformats.org/drawingml/2006/main" xmlns:r="http://schemas.openxmlformats.org/officeDocument/2006/relationships" xmlns:p="http://schemas.openxmlformats.org/presentationml/2006/main">
+  <p:cm authorId="1" dt="2019-11-26T15:18:43.658" idx="4">
+    <p:pos x="4295" y="2036"/>
+    <p:text>was soll ich hier hinschreiben</p:text>
+    <p:extLst>
+      <p:ext uri="{C676402C-5697-4E1C-873F-D02D1690AC5C}">
+        <p15:threadingInfo xmlns:p15="http://schemas.microsoft.com/office/powerpoint/2012/main" timeZoneBias="-60"/>
+      </p:ext>
+    </p:extLst>
+  </p:cm>
+</p:cmLst>
+</file>
+
 <file path=ppt/notesMasters/notesMaster1.xml><?xml version="1.0" encoding="utf-8"?>
 <p:notesMaster xmlns:a="http://schemas.openxmlformats.org/drawingml/2006/main" xmlns:r="http://schemas.openxmlformats.org/officeDocument/2006/relationships" xmlns:p="http://schemas.openxmlformats.org/presentationml/2006/main">
   <p:cSld>
@@ -620,7 +646,7 @@
           <a:p>
             <a:fld id="{71B447C5-C700-4F5B-9345-511A8F286BAC}" type="datetimeFigureOut">
               <a:rPr lang="de-DE" smtClean="0"/>
-              <a:t>25.11.2019</a:t>
+              <a:t>26.11.2019</a:t>
             </a:fld>
             <a:endParaRPr lang="de-DE"/>
           </a:p>
@@ -1054,7 +1080,7 @@
           <a:p>
             <a:fld id="{DF05D659-B0F7-4274-A934-35075C6F75E5}" type="datetime1">
               <a:rPr lang="de-DE" smtClean="0"/>
-              <a:t>25.11.2019</a:t>
+              <a:t>26.11.2019</a:t>
             </a:fld>
             <a:endParaRPr lang="de-DE" dirty="0"/>
           </a:p>
@@ -1629,7 +1655,7 @@
           <a:p>
             <a:fld id="{FB08A6CD-A36F-4045-B348-0FB6791599F6}" type="datetime1">
               <a:rPr lang="de-DE" smtClean="0"/>
-              <a:t>25.11.2019</a:t>
+              <a:t>26.11.2019</a:t>
             </a:fld>
             <a:endParaRPr lang="de-DE" dirty="0"/>
           </a:p>
@@ -2104,7 +2130,7 @@
           <a:p>
             <a:fld id="{C84BC43A-6602-41DC-A720-BFFEAE4C2479}" type="datetime1">
               <a:rPr lang="de-DE" smtClean="0"/>
-              <a:t>25.11.2019</a:t>
+              <a:t>26.11.2019</a:t>
             </a:fld>
             <a:endParaRPr lang="de-DE" dirty="0"/>
           </a:p>
@@ -3035,7 +3061,7 @@
           <a:p>
             <a:fld id="{C8AABD6E-6A54-49BD-B163-8A92DD781D3A}" type="datetime1">
               <a:rPr lang="de-DE" smtClean="0"/>
-              <a:t>25.11.2019</a:t>
+              <a:t>26.11.2019</a:t>
             </a:fld>
             <a:endParaRPr lang="de-DE" dirty="0"/>
           </a:p>
@@ -3506,7 +3532,7 @@
           <a:p>
             <a:fld id="{900E1722-EB2B-41FD-9A6A-5D35C0D8A55A}" type="datetime1">
               <a:rPr lang="de-DE" smtClean="0"/>
-              <a:t>25.11.2019</a:t>
+              <a:t>26.11.2019</a:t>
             </a:fld>
             <a:endParaRPr lang="de-DE" dirty="0"/>
           </a:p>
@@ -3974,7 +4000,7 @@
           <a:p>
             <a:fld id="{0363C09C-E81E-43C9-BFE5-B9D869729B7C}" type="datetime1">
               <a:rPr lang="de-DE" smtClean="0"/>
-              <a:t>25.11.2019</a:t>
+              <a:t>26.11.2019</a:t>
             </a:fld>
             <a:endParaRPr lang="de-DE" dirty="0"/>
           </a:p>
@@ -4377,7 +4403,7 @@
           <a:p>
             <a:fld id="{DDFBC688-05C2-439C-BB93-C79EFF97A0DF}" type="datetime1">
               <a:rPr lang="de-DE" smtClean="0"/>
-              <a:t>25.11.2019</a:t>
+              <a:t>26.11.2019</a:t>
             </a:fld>
             <a:endParaRPr lang="de-DE" dirty="0"/>
           </a:p>
@@ -4789,7 +4815,7 @@
           <a:p>
             <a:fld id="{97E5D9B3-C7D8-43E0-8634-4806503FF549}" type="datetime1">
               <a:rPr lang="de-DE" smtClean="0"/>
-              <a:t>25.11.2019</a:t>
+              <a:t>26.11.2019</a:t>
             </a:fld>
             <a:endParaRPr lang="de-DE" dirty="0"/>
           </a:p>
@@ -5097,7 +5123,7 @@
           <a:p>
             <a:fld id="{5B9BD0A6-E0A0-441C-B6A1-0F5307E4A299}" type="datetime1">
               <a:rPr lang="de-DE" smtClean="0"/>
-              <a:t>25.11.2019</a:t>
+              <a:t>26.11.2019</a:t>
             </a:fld>
             <a:endParaRPr lang="de-DE" dirty="0"/>
           </a:p>
@@ -5652,7 +5678,7 @@
           <a:p>
             <a:fld id="{20038A33-E9C4-43C5-98CA-7E37261A07F1}" type="datetime1">
               <a:rPr lang="de-DE" smtClean="0"/>
-              <a:t>25.11.2019</a:t>
+              <a:t>26.11.2019</a:t>
             </a:fld>
             <a:endParaRPr lang="de-DE" dirty="0"/>
           </a:p>
@@ -6031,7 +6057,7 @@
           <a:p>
             <a:fld id="{78B0DDB8-05FA-4D0F-A320-276D002A9BEF}" type="datetime1">
               <a:rPr lang="de-DE" smtClean="0"/>
-              <a:t>25.11.2019</a:t>
+              <a:t>26.11.2019</a:t>
             </a:fld>
             <a:endParaRPr lang="de-DE" dirty="0"/>
           </a:p>
@@ -6506,7 +6532,7 @@
           <a:p>
             <a:fld id="{A63F7BFC-E547-4D43-A8A9-941127D76F70}" type="datetime1">
               <a:rPr lang="de-DE" smtClean="0"/>
-              <a:t>25.11.2019</a:t>
+              <a:t>26.11.2019</a:t>
             </a:fld>
             <a:endParaRPr lang="de-DE" dirty="0"/>
           </a:p>
@@ -6981,7 +7007,7 @@
           <a:p>
             <a:fld id="{32EF2F15-5D0C-413F-9DF3-8A1A07FAFCA3}" type="datetime1">
               <a:rPr lang="de-DE" smtClean="0"/>
-              <a:t>25.11.2019</a:t>
+              <a:t>26.11.2019</a:t>
             </a:fld>
             <a:endParaRPr lang="de-DE" dirty="0"/>
           </a:p>
@@ -7456,7 +7482,7 @@
           <a:p>
             <a:fld id="{C74FA2B8-B14D-4F30-8D01-D652602F2B2B}" type="datetime1">
               <a:rPr lang="de-DE" smtClean="0"/>
-              <a:t>25.11.2019</a:t>
+              <a:t>26.11.2019</a:t>
             </a:fld>
             <a:endParaRPr lang="de-DE" dirty="0"/>
           </a:p>
@@ -7648,7 +7674,7 @@
           <a:p>
             <a:fld id="{2E116F13-CAB3-4358-A242-8B78CB8A4391}" type="datetime1">
               <a:rPr lang="de-DE" smtClean="0"/>
-              <a:t>25.11.2019</a:t>
+              <a:t>26.11.2019</a:t>
             </a:fld>
             <a:endParaRPr lang="de-DE" dirty="0"/>
           </a:p>
@@ -8065,70 +8091,25 @@
       </p:grpSpPr>
       <p:sp>
         <p:nvSpPr>
-          <p:cNvPr id="3" name="Datumsplatzhalter 2"/>
-          <p:cNvSpPr>
-            <a:spLocks noGrp="1"/>
-          </p:cNvSpPr>
-          <p:nvPr>
-            <p:ph type="dt" sz="half" idx="10"/>
-          </p:nvPr>
-        </p:nvSpPr>
-        <p:spPr/>
+          <p:cNvPr id="5" name="Titel 4"/>
+          <p:cNvSpPr>
+            <a:spLocks noGrp="1"/>
+          </p:cNvSpPr>
+          <p:nvPr>
+            <p:ph type="title"/>
+          </p:nvPr>
+        </p:nvSpPr>
+        <p:spPr>
+          <a:xfrm>
+            <a:off x="1631316" y="1419622"/>
+            <a:ext cx="6048672" cy="2232248"/>
+          </a:xfrm>
+        </p:spPr>
         <p:txBody>
           <a:bodyPr/>
           <a:lstStyle/>
           <a:p>
-            <a:fld id="{608132FD-6E63-4FDB-9A7E-22D91A5F957E}" type="datetime1">
-              <a:rPr lang="de-DE" smtClean="0"/>
-              <a:t>25.11.2019</a:t>
-            </a:fld>
-            <a:endParaRPr lang="de-DE" dirty="0"/>
-          </a:p>
-        </p:txBody>
-      </p:sp>
-      <p:sp>
-        <p:nvSpPr>
-          <p:cNvPr id="4" name="Fußzeilenplatzhalter 3"/>
-          <p:cNvSpPr>
-            <a:spLocks noGrp="1"/>
-          </p:cNvSpPr>
-          <p:nvPr>
-            <p:ph type="ftr" sz="quarter" idx="11"/>
-          </p:nvPr>
-        </p:nvSpPr>
-        <p:spPr/>
-        <p:txBody>
-          <a:bodyPr/>
-          <a:lstStyle/>
-          <a:p>
-            <a:r>
-              <a:rPr lang="de-DE" dirty="0" smtClean="0"/>
-              <a:t>Oliver Koepp</a:t>
-            </a:r>
-            <a:endParaRPr lang="de-DE" dirty="0" smtClean="0"/>
-          </a:p>
-        </p:txBody>
-      </p:sp>
-      <p:sp>
-        <p:nvSpPr>
-          <p:cNvPr id="5" name="Titel 4"/>
-          <p:cNvSpPr>
-            <a:spLocks noGrp="1"/>
-          </p:cNvSpPr>
-          <p:nvPr>
-            <p:ph type="title"/>
-          </p:nvPr>
-        </p:nvSpPr>
-        <p:spPr>
-          <a:xfrm>
-            <a:off x="3563653" y="1635646"/>
-            <a:ext cx="5072905" cy="504056"/>
-          </a:xfrm>
-        </p:spPr>
-        <p:txBody>
-          <a:bodyPr/>
-          <a:lstStyle/>
-          <a:p>
+            <a:pPr algn="ctr"/>
             <a:r>
               <a:rPr lang="de-DE" sz="2200" dirty="0" smtClean="0"/>
               <a:t>Positionsbestimmung drahtloser mobiler eingebetteter Systeme mittels Time </a:t>
@@ -8153,29 +8134,95 @@
           </a:p>
         </p:txBody>
       </p:sp>
-      <p:pic>
-        <p:nvPicPr>
-          <p:cNvPr id="7" name="Bildplatzhalter 6"/>
-          <p:cNvPicPr>
-            <a:picLocks noGrp="1" noChangeAspect="1"/>
-          </p:cNvPicPr>
-          <p:nvPr>
-            <p:ph type="pic" sz="quarter" idx="13"/>
-          </p:nvPr>
-        </p:nvPicPr>
-        <p:blipFill rotWithShape="1">
-          <a:blip r:embed="rId2">
-            <a:extLst>
-              <a:ext uri="{28A0092B-C50C-407E-A947-70E740481C1C}">
-                <a14:useLocalDpi xmlns:a14="http://schemas.microsoft.com/office/drawing/2010/main" val="0"/>
-              </a:ext>
-            </a:extLst>
-          </a:blip>
-          <a:srcRect l="19445" r="40837"/>
-          <a:stretch/>
-        </p:blipFill>
-        <p:spPr/>
-      </p:pic>
+      <p:sp>
+        <p:nvSpPr>
+          <p:cNvPr id="6" name="Textfeld 5"/>
+          <p:cNvSpPr txBox="1"/>
+          <p:nvPr/>
+        </p:nvSpPr>
+        <p:spPr>
+          <a:xfrm>
+            <a:off x="1846921" y="2859782"/>
+            <a:ext cx="5617462" cy="1938992"/>
+          </a:xfrm>
+          <a:prstGeom prst="rect">
+            <a:avLst/>
+          </a:prstGeom>
+          <a:noFill/>
+        </p:spPr>
+        <p:txBody>
+          <a:bodyPr wrap="square" rtlCol="0">
+            <a:spAutoFit/>
+          </a:bodyPr>
+          <a:lstStyle/>
+          <a:p>
+            <a:pPr algn="ctr"/>
+            <a:r>
+              <a:rPr lang="de-DE" sz="1200" dirty="0" smtClean="0"/>
+              <a:t>präsentiert von</a:t>
+            </a:r>
+          </a:p>
+          <a:p>
+            <a:pPr algn="ctr"/>
+            <a:endParaRPr lang="de-DE" sz="1200" dirty="0" smtClean="0"/>
+          </a:p>
+          <a:p>
+            <a:pPr algn="ctr"/>
+            <a:r>
+              <a:rPr lang="de-DE" sz="1200" dirty="0" smtClean="0"/>
+              <a:t>Oliver Koepp</a:t>
+            </a:r>
+          </a:p>
+          <a:p>
+            <a:pPr algn="ctr"/>
+            <a:endParaRPr lang="de-DE" sz="1200" dirty="0" smtClean="0"/>
+          </a:p>
+          <a:p>
+            <a:pPr algn="ctr"/>
+            <a:r>
+              <a:rPr lang="de-DE" sz="1200" dirty="0" smtClean="0"/>
+              <a:t>Zur Erlangung des akademisches Grades</a:t>
+            </a:r>
+          </a:p>
+          <a:p>
+            <a:pPr algn="ctr"/>
+            <a:r>
+              <a:rPr lang="de-DE" sz="1200" dirty="0" smtClean="0"/>
+              <a:t> </a:t>
+            </a:r>
+          </a:p>
+          <a:p>
+            <a:pPr algn="ctr"/>
+            <a:r>
+              <a:rPr lang="de-DE" sz="1200" b="1" dirty="0" smtClean="0"/>
+              <a:t>Bachelor </a:t>
+            </a:r>
+            <a:r>
+              <a:rPr lang="de-DE" sz="1200" b="1" dirty="0" err="1" smtClean="0"/>
+              <a:t>of</a:t>
+            </a:r>
+            <a:r>
+              <a:rPr lang="de-DE" sz="1200" b="1" dirty="0" smtClean="0"/>
+              <a:t> Engineering</a:t>
+            </a:r>
+          </a:p>
+          <a:p>
+            <a:pPr algn="ctr"/>
+            <a:endParaRPr lang="de-DE" sz="1200" dirty="0" smtClean="0"/>
+          </a:p>
+          <a:p>
+            <a:pPr algn="ctr"/>
+            <a:endParaRPr lang="de-DE" sz="1200" dirty="0"/>
+          </a:p>
+          <a:p>
+            <a:pPr algn="ctr"/>
+            <a:r>
+              <a:rPr lang="de-DE" sz="1200" dirty="0" smtClean="0"/>
+              <a:t>XX.XX.2019</a:t>
+            </a:r>
+          </a:p>
+        </p:txBody>
+      </p:sp>
     </p:spTree>
     <p:extLst>
       <p:ext uri="{BB962C8B-B14F-4D97-AF65-F5344CB8AC3E}">
@@ -8234,8 +8281,12 @@
           <a:lstStyle/>
           <a:p>
             <a:r>
-              <a:rPr lang="de-DE" dirty="0" smtClean="0"/>
-              <a:t>Einleitung / Problemstellung</a:t>
+              <a:rPr lang="de-DE" dirty="0"/>
+              <a:t>Grundlagen – </a:t>
+            </a:r>
+            <a:r>
+              <a:rPr lang="de-DE" dirty="0" smtClean="0"/>
+              <a:t>Mathematik</a:t>
             </a:r>
             <a:endParaRPr lang="de-DE" dirty="0"/>
           </a:p>
@@ -8281,7 +8332,6 @@
               <a:rPr lang="de-DE" dirty="0"/>
               <a:t> Arrival</a:t>
             </a:r>
-            <a:endParaRPr lang="de-DE" dirty="0"/>
           </a:p>
         </p:txBody>
       </p:sp>
@@ -8302,932 +8352,7 @@
           <a:p>
             <a:fld id="{0AB88BE9-527A-4EE8-B68E-73F71DBEB556}" type="datetime1">
               <a:rPr lang="de-DE" smtClean="0"/>
-              <a:t>25.11.2019</a:t>
-            </a:fld>
-            <a:endParaRPr lang="de-DE" dirty="0"/>
-          </a:p>
-        </p:txBody>
-      </p:sp>
-      <p:sp>
-        <p:nvSpPr>
-          <p:cNvPr id="15" name="Fußzeilenplatzhalter 14"/>
-          <p:cNvSpPr>
-            <a:spLocks noGrp="1"/>
-          </p:cNvSpPr>
-          <p:nvPr>
-            <p:ph type="ftr" sz="quarter" idx="28"/>
-          </p:nvPr>
-        </p:nvSpPr>
-        <p:spPr>
-          <a:xfrm>
-            <a:off x="1965072" y="4812372"/>
-            <a:ext cx="2304256" cy="273844"/>
-          </a:xfrm>
-        </p:spPr>
-        <p:txBody>
-          <a:bodyPr/>
-          <a:lstStyle/>
-          <a:p>
-            <a:r>
-              <a:rPr lang="de-DE" dirty="0" smtClean="0"/>
-              <a:t>Oliver Koepp</a:t>
-            </a:r>
-            <a:endParaRPr lang="de-DE" dirty="0"/>
-          </a:p>
-        </p:txBody>
-      </p:sp>
-      <p:sp>
-        <p:nvSpPr>
-          <p:cNvPr id="26" name="Textfeld 25"/>
-          <p:cNvSpPr txBox="1"/>
-          <p:nvPr/>
-        </p:nvSpPr>
-        <p:spPr>
-          <a:xfrm>
-            <a:off x="683568" y="1273791"/>
-            <a:ext cx="8460432" cy="4247317"/>
-          </a:xfrm>
-          <a:prstGeom prst="rect">
-            <a:avLst/>
-          </a:prstGeom>
-          <a:noFill/>
-        </p:spPr>
-        <p:txBody>
-          <a:bodyPr wrap="square" rtlCol="0">
-            <a:spAutoFit/>
-          </a:bodyPr>
-          <a:lstStyle/>
-          <a:p>
-            <a:r>
-              <a:rPr lang="de-DE" dirty="0" smtClean="0"/>
-              <a:t>Problem:</a:t>
-            </a:r>
-          </a:p>
-          <a:p>
-            <a:pPr algn="ctr"/>
-            <a:r>
-              <a:rPr lang="de-DE" dirty="0" smtClean="0"/>
-              <a:t>Irgendwas labern TDOA – </a:t>
-            </a:r>
-            <a:r>
-              <a:rPr lang="de-DE" dirty="0" err="1" smtClean="0"/>
-              <a:t>Zeitsync</a:t>
-            </a:r>
-            <a:r>
-              <a:rPr lang="de-DE" dirty="0" smtClean="0"/>
-              <a:t> - …</a:t>
-            </a:r>
-          </a:p>
-          <a:p>
-            <a:endParaRPr lang="de-DE" dirty="0" smtClean="0"/>
-          </a:p>
-          <a:p>
-            <a:r>
-              <a:rPr lang="de-DE" dirty="0" smtClean="0"/>
-              <a:t>Lösung:</a:t>
-            </a:r>
-          </a:p>
-          <a:p>
-            <a:pPr marL="285750" indent="-285750">
-              <a:buFont typeface="Arial" panose="020B0604020202020204" pitchFamily="34" charset="0"/>
-              <a:buChar char="•"/>
-            </a:pPr>
-            <a:endParaRPr lang="de-DE" dirty="0" smtClean="0"/>
-          </a:p>
-          <a:p>
-            <a:pPr marL="285750" indent="-285750">
-              <a:buFont typeface="Arial" panose="020B0604020202020204" pitchFamily="34" charset="0"/>
-              <a:buChar char="•"/>
-            </a:pPr>
-            <a:r>
-              <a:rPr lang="de-DE" dirty="0" smtClean="0"/>
-              <a:t>Positionsgleichungen lösen</a:t>
-            </a:r>
-          </a:p>
-          <a:p>
-            <a:pPr marL="742950" lvl="1" indent="-285750">
-              <a:buFont typeface="Arial" panose="020B0604020202020204" pitchFamily="34" charset="0"/>
-              <a:buChar char="•"/>
-            </a:pPr>
-            <a:r>
-              <a:rPr lang="de-DE" dirty="0" smtClean="0"/>
-              <a:t>Time </a:t>
-            </a:r>
-            <a:r>
-              <a:rPr lang="de-DE" dirty="0" err="1" smtClean="0"/>
-              <a:t>Difference</a:t>
-            </a:r>
-            <a:r>
-              <a:rPr lang="de-DE" dirty="0" smtClean="0"/>
-              <a:t> </a:t>
-            </a:r>
-            <a:r>
-              <a:rPr lang="de-DE" dirty="0" err="1" smtClean="0"/>
-              <a:t>of</a:t>
-            </a:r>
-            <a:r>
-              <a:rPr lang="de-DE" dirty="0" smtClean="0"/>
-              <a:t> Arrival</a:t>
-            </a:r>
-          </a:p>
-          <a:p>
-            <a:pPr marL="285750" indent="-285750">
-              <a:buFont typeface="Arial" panose="020B0604020202020204" pitchFamily="34" charset="0"/>
-              <a:buChar char="•"/>
-            </a:pPr>
-            <a:r>
-              <a:rPr lang="de-DE" dirty="0" smtClean="0"/>
-              <a:t>Zeitsynchronisation</a:t>
-            </a:r>
-          </a:p>
-          <a:p>
-            <a:pPr marL="742950" lvl="1" indent="-285750">
-              <a:buFont typeface="Arial" panose="020B0604020202020204" pitchFamily="34" charset="0"/>
-              <a:buChar char="•"/>
-            </a:pPr>
-            <a:r>
-              <a:rPr lang="de-DE" dirty="0" smtClean="0"/>
-              <a:t>Precision Time Protocol (PTP)</a:t>
-            </a:r>
-          </a:p>
-          <a:p>
-            <a:pPr marL="285750" indent="-285750">
-              <a:buFont typeface="Arial" panose="020B0604020202020204" pitchFamily="34" charset="0"/>
-              <a:buChar char="•"/>
-            </a:pPr>
-            <a:r>
-              <a:rPr lang="de-DE" dirty="0" smtClean="0"/>
-              <a:t>Kommunikation zwischen Master und Slave</a:t>
-            </a:r>
-          </a:p>
-          <a:p>
-            <a:pPr marL="742950" lvl="1" indent="-285750">
-              <a:buFont typeface="Arial" panose="020B0604020202020204" pitchFamily="34" charset="0"/>
-              <a:buChar char="•"/>
-            </a:pPr>
-            <a:r>
-              <a:rPr lang="de-DE" dirty="0" smtClean="0"/>
-              <a:t>2,4GHz Funk</a:t>
-            </a:r>
-          </a:p>
-          <a:p>
-            <a:pPr marL="742950" lvl="1" indent="-285750">
-              <a:buFont typeface="Arial" panose="020B0604020202020204" pitchFamily="34" charset="0"/>
-              <a:buChar char="•"/>
-            </a:pPr>
-            <a:r>
-              <a:rPr lang="de-DE" dirty="0" smtClean="0"/>
-              <a:t>Hörbaren Schall</a:t>
-            </a:r>
-          </a:p>
-          <a:p>
-            <a:pPr marL="742950" lvl="1" indent="-285750">
-              <a:buFont typeface="Arial" panose="020B0604020202020204" pitchFamily="34" charset="0"/>
-              <a:buChar char="•"/>
-            </a:pPr>
-            <a:endParaRPr lang="de-DE" dirty="0" smtClean="0"/>
-          </a:p>
-          <a:p>
-            <a:pPr marL="742950" lvl="1" indent="-285750">
-              <a:buFont typeface="Arial" panose="020B0604020202020204" pitchFamily="34" charset="0"/>
-              <a:buChar char="•"/>
-            </a:pPr>
-            <a:endParaRPr lang="de-DE" dirty="0" smtClean="0"/>
-          </a:p>
-          <a:p>
-            <a:pPr marL="742950" lvl="1" indent="-285750">
-              <a:buFont typeface="Arial" panose="020B0604020202020204" pitchFamily="34" charset="0"/>
-              <a:buChar char="•"/>
-            </a:pPr>
-            <a:endParaRPr lang="de-DE" dirty="0"/>
-          </a:p>
-        </p:txBody>
-      </p:sp>
-    </p:spTree>
-    <p:extLst>
-      <p:ext uri="{BB962C8B-B14F-4D97-AF65-F5344CB8AC3E}">
-        <p14:creationId xmlns:p14="http://schemas.microsoft.com/office/powerpoint/2010/main" val="4202508435"/>
-      </p:ext>
-    </p:extLst>
-  </p:cSld>
-  <p:clrMapOvr>
-    <a:masterClrMapping/>
-  </p:clrMapOvr>
-  <p:timing>
-    <p:tnLst>
-      <p:par>
-        <p:cTn id="1" dur="indefinite" restart="never" nodeType="tmRoot"/>
-      </p:par>
-    </p:tnLst>
-  </p:timing>
-</p:sld>
-</file>
-
-<file path=ppt/slides/slide11.xml><?xml version="1.0" encoding="utf-8"?>
-<p:sld xmlns:a="http://schemas.openxmlformats.org/drawingml/2006/main" xmlns:r="http://schemas.openxmlformats.org/officeDocument/2006/relationships" xmlns:p="http://schemas.openxmlformats.org/presentationml/2006/main">
-  <p:cSld>
-    <p:spTree>
-      <p:nvGrpSpPr>
-        <p:cNvPr id="1" name=""/>
-        <p:cNvGrpSpPr/>
-        <p:nvPr/>
-      </p:nvGrpSpPr>
-      <p:grpSpPr>
-        <a:xfrm>
-          <a:off x="0" y="0"/>
-          <a:ext cx="0" cy="0"/>
-          <a:chOff x="0" y="0"/>
-          <a:chExt cx="0" cy="0"/>
-        </a:xfrm>
-      </p:grpSpPr>
-      <p:sp>
-        <p:nvSpPr>
-          <p:cNvPr id="2" name="Titel 1"/>
-          <p:cNvSpPr>
-            <a:spLocks noGrp="1"/>
-          </p:cNvSpPr>
-          <p:nvPr>
-            <p:ph type="title"/>
-          </p:nvPr>
-        </p:nvSpPr>
-        <p:spPr>
-          <a:xfrm>
-            <a:off x="683568" y="627534"/>
-            <a:ext cx="7961656" cy="1095654"/>
-          </a:xfrm>
-        </p:spPr>
-        <p:txBody>
-          <a:bodyPr/>
-          <a:lstStyle/>
-          <a:p>
-            <a:r>
-              <a:rPr lang="de-DE" dirty="0" smtClean="0"/>
-              <a:t>Verwendete Hardware / Software</a:t>
-            </a:r>
-            <a:endParaRPr lang="de-DE" dirty="0"/>
-          </a:p>
-        </p:txBody>
-      </p:sp>
-      <p:sp>
-        <p:nvSpPr>
-          <p:cNvPr id="3" name="Textplatzhalter 2"/>
-          <p:cNvSpPr>
-            <a:spLocks noGrp="1"/>
-          </p:cNvSpPr>
-          <p:nvPr>
-            <p:ph type="body" sz="quarter" idx="14"/>
-          </p:nvPr>
-        </p:nvSpPr>
-        <p:spPr>
-          <a:xfrm>
-            <a:off x="3059832" y="4847158"/>
-            <a:ext cx="4752527" cy="215900"/>
-          </a:xfrm>
-        </p:spPr>
-        <p:txBody>
-          <a:bodyPr/>
-          <a:lstStyle/>
-          <a:p>
-            <a:r>
-              <a:rPr lang="de-DE" dirty="0"/>
-              <a:t>Positionsbestimmung drahtloser mobiler eingebetteter Systeme mittels Time </a:t>
-            </a:r>
-            <a:r>
-              <a:rPr lang="de-DE" dirty="0" err="1"/>
-              <a:t>Difference</a:t>
-            </a:r>
-            <a:r>
-              <a:rPr lang="de-DE" dirty="0"/>
-              <a:t> </a:t>
-            </a:r>
-            <a:r>
-              <a:rPr lang="de-DE" dirty="0" err="1"/>
-              <a:t>of</a:t>
-            </a:r>
-            <a:r>
-              <a:rPr lang="de-DE" dirty="0"/>
-              <a:t> Arrival</a:t>
-            </a:r>
-            <a:endParaRPr lang="de-DE" dirty="0"/>
-          </a:p>
-        </p:txBody>
-      </p:sp>
-      <p:sp>
-        <p:nvSpPr>
-          <p:cNvPr id="14" name="Datumsplatzhalter 13"/>
-          <p:cNvSpPr>
-            <a:spLocks noGrp="1"/>
-          </p:cNvSpPr>
-          <p:nvPr>
-            <p:ph type="dt" sz="half" idx="27"/>
-          </p:nvPr>
-        </p:nvSpPr>
-        <p:spPr/>
-        <p:txBody>
-          <a:bodyPr/>
-          <a:lstStyle/>
-          <a:p>
-            <a:fld id="{0AB88BE9-527A-4EE8-B68E-73F71DBEB556}" type="datetime1">
-              <a:rPr lang="de-DE" smtClean="0"/>
-              <a:t>25.11.2019</a:t>
-            </a:fld>
-            <a:endParaRPr lang="de-DE" dirty="0"/>
-          </a:p>
-        </p:txBody>
-      </p:sp>
-      <p:sp>
-        <p:nvSpPr>
-          <p:cNvPr id="15" name="Fußzeilenplatzhalter 14"/>
-          <p:cNvSpPr>
-            <a:spLocks noGrp="1"/>
-          </p:cNvSpPr>
-          <p:nvPr>
-            <p:ph type="ftr" sz="quarter" idx="28"/>
-          </p:nvPr>
-        </p:nvSpPr>
-        <p:spPr>
-          <a:xfrm>
-            <a:off x="1965072" y="4812372"/>
-            <a:ext cx="2304256" cy="273844"/>
-          </a:xfrm>
-        </p:spPr>
-        <p:txBody>
-          <a:bodyPr/>
-          <a:lstStyle/>
-          <a:p>
-            <a:r>
-              <a:rPr lang="de-DE" dirty="0" smtClean="0"/>
-              <a:t>Oliver Koepp</a:t>
-            </a:r>
-            <a:endParaRPr lang="de-DE" dirty="0"/>
-          </a:p>
-        </p:txBody>
-      </p:sp>
-      <p:graphicFrame>
-        <p:nvGraphicFramePr>
-          <p:cNvPr id="4" name="Tabelle 3"/>
-          <p:cNvGraphicFramePr>
-            <a:graphicFrameLocks noGrp="1"/>
-          </p:cNvGraphicFramePr>
-          <p:nvPr>
-            <p:extLst>
-              <p:ext uri="{D42A27DB-BD31-4B8C-83A1-F6EECF244321}">
-                <p14:modId xmlns:p14="http://schemas.microsoft.com/office/powerpoint/2010/main" val="446416125"/>
-              </p:ext>
-            </p:extLst>
-          </p:nvPr>
-        </p:nvGraphicFramePr>
-        <p:xfrm>
-          <a:off x="179512" y="1275606"/>
-          <a:ext cx="8856984" cy="2494280"/>
-        </p:xfrm>
-        <a:graphic>
-          <a:graphicData uri="http://schemas.openxmlformats.org/drawingml/2006/table">
-            <a:tbl>
-              <a:tblPr firstRow="1" bandRow="1">
-                <a:tableStyleId>{5C22544A-7EE6-4342-B048-85BDC9FD1C3A}</a:tableStyleId>
-              </a:tblPr>
-              <a:tblGrid>
-                <a:gridCol w="4428492">
-                  <a:extLst>
-                    <a:ext uri="{9D8B030D-6E8A-4147-A177-3AD203B41FA5}">
-                      <a16:colId xmlns:a16="http://schemas.microsoft.com/office/drawing/2014/main" val="3083938753"/>
-                    </a:ext>
-                  </a:extLst>
-                </a:gridCol>
-                <a:gridCol w="4428492">
-                  <a:extLst>
-                    <a:ext uri="{9D8B030D-6E8A-4147-A177-3AD203B41FA5}">
-                      <a16:colId xmlns:a16="http://schemas.microsoft.com/office/drawing/2014/main" val="3289147325"/>
-                    </a:ext>
-                  </a:extLst>
-                </a:gridCol>
-              </a:tblGrid>
-              <a:tr h="370840">
-                <a:tc>
-                  <a:txBody>
-                    <a:bodyPr/>
-                    <a:lstStyle/>
-                    <a:p>
-                      <a:pPr algn="ctr"/>
-                      <a:r>
-                        <a:rPr lang="de-DE" dirty="0" smtClean="0"/>
-                        <a:t>Master</a:t>
-                      </a:r>
-                      <a:endParaRPr lang="de-DE" dirty="0"/>
-                    </a:p>
-                  </a:txBody>
-                  <a:tcPr/>
-                </a:tc>
-                <a:tc>
-                  <a:txBody>
-                    <a:bodyPr/>
-                    <a:lstStyle/>
-                    <a:p>
-                      <a:pPr algn="ctr"/>
-                      <a:r>
-                        <a:rPr lang="de-DE" dirty="0" smtClean="0"/>
-                        <a:t>Slave</a:t>
-                      </a:r>
-                      <a:endParaRPr lang="de-DE" dirty="0"/>
-                    </a:p>
-                  </a:txBody>
-                  <a:tcPr/>
-                </a:tc>
-                <a:extLst>
-                  <a:ext uri="{0D108BD9-81ED-4DB2-BD59-A6C34878D82A}">
-                    <a16:rowId xmlns:a16="http://schemas.microsoft.com/office/drawing/2014/main" val="3395080339"/>
-                  </a:ext>
-                </a:extLst>
-              </a:tr>
-              <a:tr h="370840">
-                <a:tc>
-                  <a:txBody>
-                    <a:bodyPr/>
-                    <a:lstStyle/>
-                    <a:p>
-                      <a:pPr marL="0" marR="0" lvl="1" indent="0" algn="ctr" defTabSz="914400" rtl="0" eaLnBrk="1" fontAlgn="auto" latinLnBrk="0" hangingPunct="1">
-                        <a:lnSpc>
-                          <a:spcPct val="100000"/>
-                        </a:lnSpc>
-                        <a:spcBef>
-                          <a:spcPts val="0"/>
-                        </a:spcBef>
-                        <a:spcAft>
-                          <a:spcPts val="0"/>
-                        </a:spcAft>
-                        <a:buClrTx/>
-                        <a:buSzTx/>
-                        <a:buFontTx/>
-                        <a:buNone/>
-                        <a:tabLst/>
-                        <a:defRPr/>
-                      </a:pPr>
-                      <a:r>
-                        <a:rPr lang="de-DE" dirty="0" err="1" smtClean="0">
-                          <a:sym typeface="Wingdings" panose="05000000000000000000" pitchFamily="2" charset="2"/>
-                        </a:rPr>
-                        <a:t>Atmel</a:t>
-                      </a:r>
-                      <a:r>
-                        <a:rPr lang="de-DE" dirty="0" smtClean="0">
-                          <a:sym typeface="Wingdings" panose="05000000000000000000" pitchFamily="2" charset="2"/>
-                        </a:rPr>
-                        <a:t> SAM R21 </a:t>
-                      </a:r>
-                      <a:r>
-                        <a:rPr lang="de-DE" dirty="0" err="1" smtClean="0">
-                          <a:sym typeface="Wingdings" panose="05000000000000000000" pitchFamily="2" charset="2"/>
-                        </a:rPr>
-                        <a:t>Xplained</a:t>
-                      </a:r>
-                      <a:r>
-                        <a:rPr lang="de-DE" dirty="0" smtClean="0">
-                          <a:sym typeface="Wingdings" panose="05000000000000000000" pitchFamily="2" charset="2"/>
-                        </a:rPr>
-                        <a:t> Pro Board</a:t>
-                      </a:r>
-                      <a:endParaRPr lang="de-DE" dirty="0" smtClean="0"/>
-                    </a:p>
-                    <a:p>
-                      <a:pPr algn="ctr"/>
-                      <a:endParaRPr lang="de-DE" dirty="0"/>
-                    </a:p>
-                  </a:txBody>
-                  <a:tcPr/>
-                </a:tc>
-                <a:tc>
-                  <a:txBody>
-                    <a:bodyPr/>
-                    <a:lstStyle/>
-                    <a:p>
-                      <a:pPr marL="0" marR="0" lvl="1" indent="0" algn="ctr" defTabSz="914400" rtl="0" eaLnBrk="1" fontAlgn="auto" latinLnBrk="0" hangingPunct="1">
-                        <a:lnSpc>
-                          <a:spcPct val="100000"/>
-                        </a:lnSpc>
-                        <a:spcBef>
-                          <a:spcPts val="0"/>
-                        </a:spcBef>
-                        <a:spcAft>
-                          <a:spcPts val="0"/>
-                        </a:spcAft>
-                        <a:buClrTx/>
-                        <a:buSzTx/>
-                        <a:buFontTx/>
-                        <a:buNone/>
-                        <a:tabLst/>
-                        <a:defRPr/>
-                      </a:pPr>
-                      <a:r>
-                        <a:rPr lang="de-DE" dirty="0" err="1" smtClean="0">
-                          <a:sym typeface="Wingdings" panose="05000000000000000000" pitchFamily="2" charset="2"/>
-                        </a:rPr>
-                        <a:t>Atmel</a:t>
-                      </a:r>
-                      <a:r>
-                        <a:rPr lang="de-DE" dirty="0" smtClean="0">
-                          <a:sym typeface="Wingdings" panose="05000000000000000000" pitchFamily="2" charset="2"/>
-                        </a:rPr>
-                        <a:t> SAM R21 </a:t>
-                      </a:r>
-                      <a:r>
-                        <a:rPr lang="de-DE" dirty="0" err="1" smtClean="0">
-                          <a:sym typeface="Wingdings" panose="05000000000000000000" pitchFamily="2" charset="2"/>
-                        </a:rPr>
-                        <a:t>Xplained</a:t>
-                      </a:r>
-                      <a:r>
-                        <a:rPr lang="de-DE" dirty="0" smtClean="0">
-                          <a:sym typeface="Wingdings" panose="05000000000000000000" pitchFamily="2" charset="2"/>
-                        </a:rPr>
-                        <a:t> Pro Board</a:t>
-                      </a:r>
-                      <a:endParaRPr lang="de-DE" dirty="0" smtClean="0"/>
-                    </a:p>
-                    <a:p>
-                      <a:pPr algn="ctr"/>
-                      <a:endParaRPr lang="de-DE" dirty="0"/>
-                    </a:p>
-                  </a:txBody>
-                  <a:tcPr/>
-                </a:tc>
-                <a:extLst>
-                  <a:ext uri="{0D108BD9-81ED-4DB2-BD59-A6C34878D82A}">
-                    <a16:rowId xmlns:a16="http://schemas.microsoft.com/office/drawing/2014/main" val="2681537327"/>
-                  </a:ext>
-                </a:extLst>
-              </a:tr>
-              <a:tr h="370840">
-                <a:tc>
-                  <a:txBody>
-                    <a:bodyPr/>
-                    <a:lstStyle/>
-                    <a:p>
-                      <a:pPr algn="ctr"/>
-                      <a:r>
-                        <a:rPr lang="de-DE" dirty="0" err="1" smtClean="0"/>
-                        <a:t>SparkFun</a:t>
-                      </a:r>
-                      <a:r>
-                        <a:rPr lang="de-DE" baseline="0" dirty="0" smtClean="0"/>
-                        <a:t> Sound </a:t>
-                      </a:r>
-                      <a:r>
-                        <a:rPr lang="de-DE" baseline="0" dirty="0" err="1" smtClean="0"/>
-                        <a:t>Detector</a:t>
-                      </a:r>
-                      <a:endParaRPr lang="de-DE" dirty="0"/>
-                    </a:p>
-                  </a:txBody>
-                  <a:tcPr/>
-                </a:tc>
-                <a:tc>
-                  <a:txBody>
-                    <a:bodyPr/>
-                    <a:lstStyle/>
-                    <a:p>
-                      <a:pPr algn="ctr"/>
-                      <a:r>
-                        <a:rPr lang="de-DE" dirty="0" smtClean="0"/>
-                        <a:t>Lautsprecher</a:t>
-                      </a:r>
-                      <a:r>
-                        <a:rPr lang="de-DE" baseline="0" dirty="0" smtClean="0"/>
-                        <a:t> </a:t>
-                      </a:r>
-                      <a:r>
-                        <a:rPr lang="de-DE" dirty="0" smtClean="0"/>
-                        <a:t>Handelsüblich</a:t>
-                      </a:r>
-                      <a:r>
-                        <a:rPr lang="de-DE" baseline="0" dirty="0" smtClean="0"/>
-                        <a:t> </a:t>
-                      </a:r>
-                      <a:r>
-                        <a:rPr lang="de-DE" dirty="0" smtClean="0"/>
-                        <a:t>(24 V)</a:t>
-                      </a:r>
-                      <a:endParaRPr lang="de-DE" dirty="0"/>
-                    </a:p>
-                  </a:txBody>
-                  <a:tcPr/>
-                </a:tc>
-                <a:extLst>
-                  <a:ext uri="{0D108BD9-81ED-4DB2-BD59-A6C34878D82A}">
-                    <a16:rowId xmlns:a16="http://schemas.microsoft.com/office/drawing/2014/main" val="3494407368"/>
-                  </a:ext>
-                </a:extLst>
-              </a:tr>
-              <a:tr h="370840">
-                <a:tc>
-                  <a:txBody>
-                    <a:bodyPr/>
-                    <a:lstStyle/>
-                    <a:p>
-                      <a:pPr algn="ctr"/>
-                      <a:r>
-                        <a:rPr lang="de-DE" dirty="0" smtClean="0"/>
-                        <a:t>RIOT OS</a:t>
-                      </a:r>
-                      <a:endParaRPr lang="de-DE" dirty="0"/>
-                    </a:p>
-                  </a:txBody>
-                  <a:tcPr/>
-                </a:tc>
-                <a:tc>
-                  <a:txBody>
-                    <a:bodyPr/>
-                    <a:lstStyle/>
-                    <a:p>
-                      <a:pPr algn="ctr"/>
-                      <a:r>
-                        <a:rPr lang="de-DE" dirty="0" smtClean="0"/>
-                        <a:t>RIOT OS</a:t>
-                      </a:r>
-                      <a:endParaRPr lang="de-DE" dirty="0"/>
-                    </a:p>
-                  </a:txBody>
-                  <a:tcPr/>
-                </a:tc>
-                <a:extLst>
-                  <a:ext uri="{0D108BD9-81ED-4DB2-BD59-A6C34878D82A}">
-                    <a16:rowId xmlns:a16="http://schemas.microsoft.com/office/drawing/2014/main" val="2513221242"/>
-                  </a:ext>
-                </a:extLst>
-              </a:tr>
-              <a:tr h="370840">
-                <a:tc>
-                  <a:txBody>
-                    <a:bodyPr/>
-                    <a:lstStyle/>
-                    <a:p>
-                      <a:pPr algn="ctr"/>
-                      <a:r>
-                        <a:rPr lang="de-DE" dirty="0" smtClean="0">
-                          <a:solidFill>
-                            <a:schemeClr val="bg1">
-                              <a:lumMod val="50000"/>
-                            </a:schemeClr>
-                          </a:solidFill>
-                        </a:rPr>
-                        <a:t>Ultraschallsensor</a:t>
-                      </a:r>
-                      <a:endParaRPr lang="de-DE" dirty="0">
-                        <a:solidFill>
-                          <a:schemeClr val="bg1">
-                            <a:lumMod val="50000"/>
-                          </a:schemeClr>
-                        </a:solidFill>
-                      </a:endParaRPr>
-                    </a:p>
-                  </a:txBody>
-                  <a:tcPr/>
-                </a:tc>
-                <a:tc>
-                  <a:txBody>
-                    <a:bodyPr/>
-                    <a:lstStyle/>
-                    <a:p>
-                      <a:pPr algn="ctr"/>
-                      <a:endParaRPr lang="de-DE" dirty="0"/>
-                    </a:p>
-                  </a:txBody>
-                  <a:tcPr/>
-                </a:tc>
-                <a:extLst>
-                  <a:ext uri="{0D108BD9-81ED-4DB2-BD59-A6C34878D82A}">
-                    <a16:rowId xmlns:a16="http://schemas.microsoft.com/office/drawing/2014/main" val="1084285178"/>
-                  </a:ext>
-                </a:extLst>
-              </a:tr>
-              <a:tr h="370840">
-                <a:tc>
-                  <a:txBody>
-                    <a:bodyPr/>
-                    <a:lstStyle/>
-                    <a:p>
-                      <a:pPr algn="ctr"/>
-                      <a:r>
-                        <a:rPr lang="de-DE" dirty="0" smtClean="0">
-                          <a:solidFill>
-                            <a:schemeClr val="bg1">
-                              <a:lumMod val="50000"/>
-                            </a:schemeClr>
-                          </a:solidFill>
-                        </a:rPr>
-                        <a:t>433 MHz</a:t>
-                      </a:r>
-                      <a:r>
-                        <a:rPr lang="de-DE" baseline="0" dirty="0" smtClean="0">
-                          <a:solidFill>
-                            <a:schemeClr val="bg1">
-                              <a:lumMod val="50000"/>
-                            </a:schemeClr>
-                          </a:solidFill>
-                        </a:rPr>
-                        <a:t> Funk Transmitter</a:t>
-                      </a:r>
-                      <a:endParaRPr lang="de-DE" dirty="0">
-                        <a:solidFill>
-                          <a:schemeClr val="bg1">
-                            <a:lumMod val="50000"/>
-                          </a:schemeClr>
-                        </a:solidFill>
-                      </a:endParaRPr>
-                    </a:p>
-                  </a:txBody>
-                  <a:tcPr/>
-                </a:tc>
-                <a:tc>
-                  <a:txBody>
-                    <a:bodyPr/>
-                    <a:lstStyle/>
-                    <a:p>
-                      <a:pPr marL="0" marR="0" indent="0" algn="ctr" defTabSz="914400" rtl="0" eaLnBrk="1" fontAlgn="auto" latinLnBrk="0" hangingPunct="1">
-                        <a:lnSpc>
-                          <a:spcPct val="100000"/>
-                        </a:lnSpc>
-                        <a:spcBef>
-                          <a:spcPts val="0"/>
-                        </a:spcBef>
-                        <a:spcAft>
-                          <a:spcPts val="0"/>
-                        </a:spcAft>
-                        <a:buClrTx/>
-                        <a:buSzTx/>
-                        <a:buFontTx/>
-                        <a:buNone/>
-                        <a:tabLst/>
-                        <a:defRPr/>
-                      </a:pPr>
-                      <a:r>
-                        <a:rPr lang="de-DE" dirty="0" smtClean="0">
-                          <a:solidFill>
-                            <a:schemeClr val="bg1">
-                              <a:lumMod val="50000"/>
-                            </a:schemeClr>
-                          </a:solidFill>
-                        </a:rPr>
-                        <a:t>433 MHz</a:t>
-                      </a:r>
-                      <a:r>
-                        <a:rPr lang="de-DE" baseline="0" dirty="0" smtClean="0">
-                          <a:solidFill>
-                            <a:schemeClr val="bg1">
-                              <a:lumMod val="50000"/>
-                            </a:schemeClr>
-                          </a:solidFill>
-                        </a:rPr>
-                        <a:t> Funk Receiver</a:t>
-                      </a:r>
-                      <a:endParaRPr lang="de-DE" dirty="0" smtClean="0">
-                        <a:solidFill>
-                          <a:schemeClr val="bg1">
-                            <a:lumMod val="50000"/>
-                          </a:schemeClr>
-                        </a:solidFill>
-                      </a:endParaRPr>
-                    </a:p>
-                  </a:txBody>
-                  <a:tcPr/>
-                </a:tc>
-                <a:extLst>
-                  <a:ext uri="{0D108BD9-81ED-4DB2-BD59-A6C34878D82A}">
-                    <a16:rowId xmlns:a16="http://schemas.microsoft.com/office/drawing/2014/main" val="1550383823"/>
-                  </a:ext>
-                </a:extLst>
-              </a:tr>
-            </a:tbl>
-          </a:graphicData>
-        </a:graphic>
-      </p:graphicFrame>
-    </p:spTree>
-    <p:extLst>
-      <p:ext uri="{BB962C8B-B14F-4D97-AF65-F5344CB8AC3E}">
-        <p14:creationId xmlns:p14="http://schemas.microsoft.com/office/powerpoint/2010/main" val="16417672"/>
-      </p:ext>
-    </p:extLst>
-  </p:cSld>
-  <p:clrMapOvr>
-    <a:masterClrMapping/>
-  </p:clrMapOvr>
-  <p:timing>
-    <p:tnLst>
-      <p:par>
-        <p:cTn id="1" dur="indefinite" restart="never" nodeType="tmRoot"/>
-      </p:par>
-    </p:tnLst>
-  </p:timing>
-</p:sld>
-</file>
-
-<file path=ppt/slides/slide12.xml><?xml version="1.0" encoding="utf-8"?>
-<p:sld xmlns:a="http://schemas.openxmlformats.org/drawingml/2006/main" xmlns:r="http://schemas.openxmlformats.org/officeDocument/2006/relationships" xmlns:p="http://schemas.openxmlformats.org/presentationml/2006/main">
-  <p:cSld>
-    <p:spTree>
-      <p:nvGrpSpPr>
-        <p:cNvPr id="1" name=""/>
-        <p:cNvGrpSpPr/>
-        <p:nvPr/>
-      </p:nvGrpSpPr>
-      <p:grpSpPr>
-        <a:xfrm>
-          <a:off x="0" y="0"/>
-          <a:ext cx="0" cy="0"/>
-          <a:chOff x="0" y="0"/>
-          <a:chExt cx="0" cy="0"/>
-        </a:xfrm>
-      </p:grpSpPr>
-      <p:sp>
-        <p:nvSpPr>
-          <p:cNvPr id="2" name="Titel 1"/>
-          <p:cNvSpPr>
-            <a:spLocks noGrp="1"/>
-          </p:cNvSpPr>
-          <p:nvPr>
-            <p:ph type="title"/>
-          </p:nvPr>
-        </p:nvSpPr>
-        <p:spPr>
-          <a:xfrm>
-            <a:off x="683568" y="627534"/>
-            <a:ext cx="7961656" cy="1095654"/>
-          </a:xfrm>
-        </p:spPr>
-        <p:txBody>
-          <a:bodyPr/>
-          <a:lstStyle/>
-          <a:p>
-            <a:r>
-              <a:rPr lang="de-DE" dirty="0" smtClean="0"/>
-              <a:t>Mathematische Grundlagen</a:t>
-            </a:r>
-            <a:endParaRPr lang="de-DE" dirty="0"/>
-          </a:p>
-        </p:txBody>
-      </p:sp>
-      <p:sp>
-        <p:nvSpPr>
-          <p:cNvPr id="3" name="Textplatzhalter 2"/>
-          <p:cNvSpPr>
-            <a:spLocks noGrp="1"/>
-          </p:cNvSpPr>
-          <p:nvPr>
-            <p:ph type="body" sz="quarter" idx="14"/>
-          </p:nvPr>
-        </p:nvSpPr>
-        <p:spPr>
-          <a:xfrm>
-            <a:off x="3059832" y="4847158"/>
-            <a:ext cx="4752527" cy="215900"/>
-          </a:xfrm>
-        </p:spPr>
-        <p:txBody>
-          <a:bodyPr/>
-          <a:lstStyle/>
-          <a:p>
-            <a:r>
-              <a:rPr lang="de-DE" dirty="0"/>
-              <a:t>Positionsbestimmung drahtloser mobiler eingebetteter Systeme mittels Time </a:t>
-            </a:r>
-            <a:r>
-              <a:rPr lang="de-DE" dirty="0" err="1"/>
-              <a:t>Difference</a:t>
-            </a:r>
-            <a:r>
-              <a:rPr lang="de-DE" dirty="0"/>
-              <a:t> </a:t>
-            </a:r>
-            <a:r>
-              <a:rPr lang="de-DE" dirty="0" err="1"/>
-              <a:t>of</a:t>
-            </a:r>
-            <a:r>
-              <a:rPr lang="de-DE" dirty="0"/>
-              <a:t> Arrival</a:t>
-            </a:r>
-            <a:endParaRPr lang="de-DE" dirty="0"/>
-          </a:p>
-        </p:txBody>
-      </p:sp>
-      <p:sp>
-        <p:nvSpPr>
-          <p:cNvPr id="14" name="Datumsplatzhalter 13"/>
-          <p:cNvSpPr>
-            <a:spLocks noGrp="1"/>
-          </p:cNvSpPr>
-          <p:nvPr>
-            <p:ph type="dt" sz="half" idx="27"/>
-          </p:nvPr>
-        </p:nvSpPr>
-        <p:spPr/>
-        <p:txBody>
-          <a:bodyPr/>
-          <a:lstStyle/>
-          <a:p>
-            <a:fld id="{0AB88BE9-527A-4EE8-B68E-73F71DBEB556}" type="datetime1">
-              <a:rPr lang="de-DE" smtClean="0"/>
-              <a:t>25.11.2019</a:t>
+              <a:t>26.11.2019</a:t>
             </a:fld>
             <a:endParaRPr lang="de-DE" dirty="0"/>
           </a:p>
@@ -9364,8 +8489,8 @@
           </a:prstGeom>
         </p:spPr>
       </p:pic>
-      <mc:AlternateContent xmlns:mc="http://schemas.openxmlformats.org/markup-compatibility/2006">
-        <mc:Choice xmlns:a14="http://schemas.microsoft.com/office/drawing/2010/main" Requires="a14">
+      <mc:AlternateContent xmlns:mc="http://schemas.openxmlformats.org/markup-compatibility/2006" xmlns:a14="http://schemas.microsoft.com/office/drawing/2010/main">
+        <mc:Choice Requires="a14">
           <p:sp>
             <p:nvSpPr>
               <p:cNvPr id="5" name="Rechteck 4"/>
@@ -9387,6 +8512,7 @@
               </a:bodyPr>
               <a:lstStyle/>
               <a:p>
+                <a:pPr/>
                 <a14:m>
                   <m:oMathPara xmlns:m="http://schemas.openxmlformats.org/officeDocument/2006/math">
                     <m:oMathParaPr>
@@ -9603,6 +8729,7 @@
                 <a:endParaRPr lang="de-DE" b="0" dirty="0" smtClean="0"/>
               </a:p>
               <a:p>
+                <a:pPr/>
                 <a14:m>
                   <m:oMathPara xmlns:m="http://schemas.openxmlformats.org/officeDocument/2006/math">
                     <m:oMathParaPr>
@@ -9819,6 +8946,7 @@
                 <a:endParaRPr lang="de-DE" dirty="0" smtClean="0"/>
               </a:p>
               <a:p>
+                <a:pPr/>
                 <a14:m>
                   <m:oMathPara xmlns:m="http://schemas.openxmlformats.org/officeDocument/2006/math">
                     <m:oMathParaPr>
@@ -10037,7 +9165,7 @@
             </p:txBody>
           </p:sp>
         </mc:Choice>
-        <mc:Fallback>
+        <mc:Fallback xmlns="">
           <p:sp>
             <p:nvSpPr>
               <p:cNvPr id="5" name="Rechteck 4"/>
@@ -10096,7 +9224,7 @@
 </p:sld>
 </file>
 
-<file path=ppt/slides/slide13.xml><?xml version="1.0" encoding="utf-8"?>
+<file path=ppt/slides/slide11.xml><?xml version="1.0" encoding="utf-8"?>
 <p:sld xmlns:a="http://schemas.openxmlformats.org/drawingml/2006/main" xmlns:r="http://schemas.openxmlformats.org/officeDocument/2006/relationships" xmlns:p="http://schemas.openxmlformats.org/presentationml/2006/main">
   <p:cSld>
     <p:spTree>
@@ -10164,8 +9292,12 @@
           <a:lstStyle/>
           <a:p>
             <a:r>
-              <a:rPr lang="de-DE" dirty="0" smtClean="0"/>
-              <a:t>Mathematische Grundlagen</a:t>
+              <a:rPr lang="de-DE" dirty="0"/>
+              <a:t>Grundlagen </a:t>
+            </a:r>
+            <a:r>
+              <a:rPr lang="de-DE" dirty="0" smtClean="0"/>
+              <a:t>– Mathematik</a:t>
             </a:r>
             <a:endParaRPr lang="de-DE" dirty="0"/>
           </a:p>
@@ -10211,7 +9343,6 @@
               <a:rPr lang="de-DE" dirty="0"/>
               <a:t> Arrival</a:t>
             </a:r>
-            <a:endParaRPr lang="de-DE" dirty="0"/>
           </a:p>
         </p:txBody>
       </p:sp>
@@ -10232,7 +9363,7 @@
           <a:p>
             <a:fld id="{0AB88BE9-527A-4EE8-B68E-73F71DBEB556}" type="datetime1">
               <a:rPr lang="de-DE" smtClean="0"/>
-              <a:t>25.11.2019</a:t>
+              <a:t>26.11.2019</a:t>
             </a:fld>
             <a:endParaRPr lang="de-DE" dirty="0"/>
           </a:p>
@@ -10376,6 +9507,624 @@
     <p:extLst>
       <p:ext uri="{BB962C8B-B14F-4D97-AF65-F5344CB8AC3E}">
         <p14:creationId xmlns:p14="http://schemas.microsoft.com/office/powerpoint/2010/main" val="2531075038"/>
+      </p:ext>
+    </p:extLst>
+  </p:cSld>
+  <p:clrMapOvr>
+    <a:masterClrMapping/>
+  </p:clrMapOvr>
+  <p:timing>
+    <p:tnLst>
+      <p:par>
+        <p:cTn id="1" dur="indefinite" restart="never" nodeType="tmRoot"/>
+      </p:par>
+    </p:tnLst>
+  </p:timing>
+</p:sld>
+</file>
+
+<file path=ppt/slides/slide12.xml><?xml version="1.0" encoding="utf-8"?>
+<p:sld xmlns:a="http://schemas.openxmlformats.org/drawingml/2006/main" xmlns:r="http://schemas.openxmlformats.org/officeDocument/2006/relationships" xmlns:p="http://schemas.openxmlformats.org/presentationml/2006/main">
+  <p:cSld>
+    <p:spTree>
+      <p:nvGrpSpPr>
+        <p:cNvPr id="1" name=""/>
+        <p:cNvGrpSpPr/>
+        <p:nvPr/>
+      </p:nvGrpSpPr>
+      <p:grpSpPr>
+        <a:xfrm>
+          <a:off x="0" y="0"/>
+          <a:ext cx="0" cy="0"/>
+          <a:chOff x="0" y="0"/>
+          <a:chExt cx="0" cy="0"/>
+        </a:xfrm>
+      </p:grpSpPr>
+      <p:sp>
+        <p:nvSpPr>
+          <p:cNvPr id="2" name="Titel 1"/>
+          <p:cNvSpPr>
+            <a:spLocks noGrp="1"/>
+          </p:cNvSpPr>
+          <p:nvPr>
+            <p:ph type="title"/>
+          </p:nvPr>
+        </p:nvSpPr>
+        <p:spPr>
+          <a:xfrm>
+            <a:off x="683568" y="627534"/>
+            <a:ext cx="7961656" cy="1095654"/>
+          </a:xfrm>
+        </p:spPr>
+        <p:txBody>
+          <a:bodyPr/>
+          <a:lstStyle/>
+          <a:p>
+            <a:r>
+              <a:rPr lang="de-DE" dirty="0"/>
+              <a:t>Implementierung – </a:t>
+            </a:r>
+            <a:r>
+              <a:rPr lang="de-DE" dirty="0" smtClean="0"/>
+              <a:t>Zeitsynchronisation</a:t>
+            </a:r>
+            <a:endParaRPr lang="de-DE" dirty="0"/>
+          </a:p>
+        </p:txBody>
+      </p:sp>
+      <p:sp>
+        <p:nvSpPr>
+          <p:cNvPr id="3" name="Textplatzhalter 2"/>
+          <p:cNvSpPr>
+            <a:spLocks noGrp="1"/>
+          </p:cNvSpPr>
+          <p:nvPr>
+            <p:ph type="body" sz="quarter" idx="14"/>
+          </p:nvPr>
+        </p:nvSpPr>
+        <p:spPr>
+          <a:xfrm>
+            <a:off x="3059832" y="4847158"/>
+            <a:ext cx="4752527" cy="215900"/>
+          </a:xfrm>
+        </p:spPr>
+        <p:txBody>
+          <a:bodyPr/>
+          <a:lstStyle/>
+          <a:p>
+            <a:r>
+              <a:rPr lang="de-DE" dirty="0"/>
+              <a:t>Positionsbestimmung drahtloser mobiler eingebetteter Systeme mittels Time </a:t>
+            </a:r>
+            <a:r>
+              <a:rPr lang="de-DE" dirty="0" err="1"/>
+              <a:t>Difference</a:t>
+            </a:r>
+            <a:r>
+              <a:rPr lang="de-DE" dirty="0"/>
+              <a:t> </a:t>
+            </a:r>
+            <a:r>
+              <a:rPr lang="de-DE" dirty="0" err="1"/>
+              <a:t>of</a:t>
+            </a:r>
+            <a:r>
+              <a:rPr lang="de-DE" dirty="0"/>
+              <a:t> Arrival</a:t>
+            </a:r>
+          </a:p>
+        </p:txBody>
+      </p:sp>
+      <p:sp>
+        <p:nvSpPr>
+          <p:cNvPr id="14" name="Datumsplatzhalter 13"/>
+          <p:cNvSpPr>
+            <a:spLocks noGrp="1"/>
+          </p:cNvSpPr>
+          <p:nvPr>
+            <p:ph type="dt" sz="half" idx="27"/>
+          </p:nvPr>
+        </p:nvSpPr>
+        <p:spPr/>
+        <p:txBody>
+          <a:bodyPr/>
+          <a:lstStyle/>
+          <a:p>
+            <a:fld id="{0AB88BE9-527A-4EE8-B68E-73F71DBEB556}" type="datetime1">
+              <a:rPr lang="de-DE" smtClean="0"/>
+              <a:t>26.11.2019</a:t>
+            </a:fld>
+            <a:endParaRPr lang="de-DE" dirty="0"/>
+          </a:p>
+        </p:txBody>
+      </p:sp>
+      <p:sp>
+        <p:nvSpPr>
+          <p:cNvPr id="15" name="Fußzeilenplatzhalter 14"/>
+          <p:cNvSpPr>
+            <a:spLocks noGrp="1"/>
+          </p:cNvSpPr>
+          <p:nvPr>
+            <p:ph type="ftr" sz="quarter" idx="28"/>
+          </p:nvPr>
+        </p:nvSpPr>
+        <p:spPr>
+          <a:xfrm>
+            <a:off x="1965072" y="4812372"/>
+            <a:ext cx="2304256" cy="273844"/>
+          </a:xfrm>
+        </p:spPr>
+        <p:txBody>
+          <a:bodyPr/>
+          <a:lstStyle/>
+          <a:p>
+            <a:r>
+              <a:rPr lang="de-DE" dirty="0" smtClean="0"/>
+              <a:t>Oliver Koepp</a:t>
+            </a:r>
+            <a:endParaRPr lang="de-DE" dirty="0"/>
+          </a:p>
+        </p:txBody>
+      </p:sp>
+      <mc:AlternateContent xmlns:mc="http://schemas.openxmlformats.org/markup-compatibility/2006">
+        <mc:Choice xmlns:a14="http://schemas.microsoft.com/office/drawing/2010/main" Requires="a14">
+          <p:sp>
+            <p:nvSpPr>
+              <p:cNvPr id="26" name="Textfeld 25"/>
+              <p:cNvSpPr txBox="1"/>
+              <p:nvPr/>
+            </p:nvSpPr>
+            <p:spPr>
+              <a:xfrm>
+                <a:off x="683568" y="1273791"/>
+                <a:ext cx="8460432" cy="2585323"/>
+              </a:xfrm>
+              <a:prstGeom prst="rect">
+                <a:avLst/>
+              </a:prstGeom>
+              <a:noFill/>
+            </p:spPr>
+            <p:txBody>
+              <a:bodyPr wrap="square" rtlCol="0">
+                <a:spAutoFit/>
+              </a:bodyPr>
+              <a:lstStyle/>
+              <a:p>
+                <a:pPr marL="285750" indent="-285750">
+                  <a:buFont typeface="Arial" panose="020B0604020202020204" pitchFamily="34" charset="0"/>
+                  <a:buChar char="•"/>
+                </a:pPr>
+                <a:r>
+                  <a:rPr lang="de-DE" dirty="0" smtClean="0"/>
+                  <a:t>Structs</a:t>
+                </a:r>
+                <a:r>
+                  <a:rPr lang="de-DE" dirty="0"/>
+                  <a:t> </a:t>
+                </a:r>
+                <a:r>
+                  <a:rPr lang="de-DE" dirty="0" smtClean="0"/>
+                  <a:t>– Kommunikation</a:t>
+                </a:r>
+              </a:p>
+              <a:p>
+                <a:pPr marL="742950" lvl="1" indent="-285750">
+                  <a:buFont typeface="Arial" panose="020B0604020202020204" pitchFamily="34" charset="0"/>
+                  <a:buChar char="•"/>
+                </a:pPr>
+                <a:r>
+                  <a:rPr lang="de-DE" dirty="0" smtClean="0"/>
+                  <a:t>Port</a:t>
+                </a:r>
+              </a:p>
+              <a:p>
+                <a:pPr marL="742950" lvl="1" indent="-285750">
+                  <a:buFont typeface="Arial" panose="020B0604020202020204" pitchFamily="34" charset="0"/>
+                  <a:buChar char="•"/>
+                </a:pPr>
+                <a:r>
+                  <a:rPr lang="de-DE" dirty="0" smtClean="0"/>
+                  <a:t>Kommando</a:t>
+                </a:r>
+              </a:p>
+              <a:p>
+                <a:pPr marL="742950" lvl="1" indent="-285750">
+                  <a:buFont typeface="Arial" panose="020B0604020202020204" pitchFamily="34" charset="0"/>
+                  <a:buChar char="•"/>
+                </a:pPr>
+                <a:r>
+                  <a:rPr lang="de-DE" dirty="0" smtClean="0"/>
+                  <a:t>Systemzeit</a:t>
+                </a:r>
+              </a:p>
+              <a:p>
+                <a:pPr marL="742950" lvl="1" indent="-285750">
+                  <a:buFont typeface="Arial" panose="020B0604020202020204" pitchFamily="34" charset="0"/>
+                  <a:buChar char="•"/>
+                </a:pPr>
+                <a:r>
+                  <a:rPr lang="de-DE" dirty="0" smtClean="0"/>
+                  <a:t>Daten</a:t>
+                </a:r>
+              </a:p>
+              <a:p>
+                <a:pPr marL="285750" indent="-285750">
+                  <a:buFont typeface="Arial" panose="020B0604020202020204" pitchFamily="34" charset="0"/>
+                  <a:buChar char="•"/>
+                </a:pPr>
+                <a:r>
+                  <a:rPr lang="de-DE" dirty="0" smtClean="0"/>
+                  <a:t>Genauigkeit bis </a:t>
+                </a:r>
+                <a14:m>
+                  <m:oMath xmlns:m="http://schemas.openxmlformats.org/officeDocument/2006/math">
+                    <m:r>
+                      <a:rPr lang="de-DE" b="0" i="1" smtClean="0">
+                        <a:latin typeface="Cambria Math" panose="02040503050406030204" pitchFamily="18" charset="0"/>
+                      </a:rPr>
+                      <m:t>5</m:t>
+                    </m:r>
+                    <m:r>
+                      <a:rPr lang="de-DE" b="0" i="1" smtClean="0">
+                        <a:latin typeface="Cambria Math" panose="02040503050406030204" pitchFamily="18" charset="0"/>
+                      </a:rPr>
+                      <m:t>𝑚𝑠</m:t>
+                    </m:r>
+                  </m:oMath>
+                </a14:m>
+                <a:r>
+                  <a:rPr lang="de-DE" dirty="0" smtClean="0"/>
+                  <a:t> ohne </a:t>
+                </a:r>
+              </a:p>
+              <a:p>
+                <a:r>
+                  <a:rPr lang="de-DE" dirty="0"/>
+                  <a:t> </a:t>
+                </a:r>
+                <a:r>
+                  <a:rPr lang="de-DE" dirty="0" smtClean="0"/>
+                  <a:t>   </a:t>
+                </a:r>
+                <a:r>
+                  <a:rPr lang="de-DE" dirty="0" smtClean="0"/>
+                  <a:t>Hardwareunterstützung</a:t>
+                </a:r>
+              </a:p>
+              <a:p>
+                <a:pPr marL="285750" indent="-285750">
+                  <a:buFont typeface="Arial" panose="020B0604020202020204" pitchFamily="34" charset="0"/>
+                  <a:buChar char="•"/>
+                </a:pPr>
+                <a:endParaRPr lang="de-DE" dirty="0"/>
+              </a:p>
+              <a:p>
+                <a:pPr marL="285750" indent="-285750">
+                  <a:buFont typeface="Arial" panose="020B0604020202020204" pitchFamily="34" charset="0"/>
+                  <a:buChar char="•"/>
+                </a:pPr>
+                <a:endParaRPr lang="de-DE" dirty="0" smtClean="0"/>
+              </a:p>
+            </p:txBody>
+          </p:sp>
+        </mc:Choice>
+        <mc:Fallback>
+          <p:sp>
+            <p:nvSpPr>
+              <p:cNvPr id="26" name="Textfeld 25"/>
+              <p:cNvSpPr txBox="1">
+                <a:spLocks noRot="1" noChangeAspect="1" noMove="1" noResize="1" noEditPoints="1" noAdjustHandles="1" noChangeArrowheads="1" noChangeShapeType="1" noTextEdit="1"/>
+              </p:cNvSpPr>
+              <p:nvPr/>
+            </p:nvSpPr>
+            <p:spPr>
+              <a:xfrm>
+                <a:off x="683568" y="1273791"/>
+                <a:ext cx="8460432" cy="2585323"/>
+              </a:xfrm>
+              <a:prstGeom prst="rect">
+                <a:avLst/>
+              </a:prstGeom>
+              <a:blipFill>
+                <a:blip r:embed="rId2"/>
+                <a:stretch>
+                  <a:fillRect l="-432" t="-1415"/>
+                </a:stretch>
+              </a:blipFill>
+            </p:spPr>
+            <p:txBody>
+              <a:bodyPr/>
+              <a:lstStyle/>
+              <a:p>
+                <a:r>
+                  <a:rPr lang="de-DE">
+                    <a:noFill/>
+                  </a:rPr>
+                  <a:t> </a:t>
+                </a:r>
+              </a:p>
+            </p:txBody>
+          </p:sp>
+        </mc:Fallback>
+      </mc:AlternateContent>
+      <p:pic>
+        <p:nvPicPr>
+          <p:cNvPr id="7" name="Grafik 6"/>
+          <p:cNvPicPr>
+            <a:picLocks noChangeAspect="1"/>
+          </p:cNvPicPr>
+          <p:nvPr/>
+        </p:nvPicPr>
+        <p:blipFill>
+          <a:blip r:embed="rId3">
+            <a:extLst>
+              <a:ext uri="{28A0092B-C50C-407E-A947-70E740481C1C}">
+                <a14:useLocalDpi xmlns:a14="http://schemas.microsoft.com/office/drawing/2010/main" val="0"/>
+              </a:ext>
+            </a:extLst>
+          </a:blip>
+          <a:stretch>
+            <a:fillRect/>
+          </a:stretch>
+        </p:blipFill>
+        <p:spPr>
+          <a:xfrm>
+            <a:off x="4486043" y="1273791"/>
+            <a:ext cx="4629549" cy="3407179"/>
+          </a:xfrm>
+          <a:prstGeom prst="rect">
+            <a:avLst/>
+          </a:prstGeom>
+        </p:spPr>
+      </p:pic>
+    </p:spTree>
+    <p:extLst>
+      <p:ext uri="{BB962C8B-B14F-4D97-AF65-F5344CB8AC3E}">
+        <p14:creationId xmlns:p14="http://schemas.microsoft.com/office/powerpoint/2010/main" val="4202508435"/>
+      </p:ext>
+    </p:extLst>
+  </p:cSld>
+  <p:clrMapOvr>
+    <a:masterClrMapping/>
+  </p:clrMapOvr>
+  <p:timing>
+    <p:tnLst>
+      <p:par>
+        <p:cTn id="1" dur="indefinite" restart="never" nodeType="tmRoot"/>
+      </p:par>
+    </p:tnLst>
+  </p:timing>
+</p:sld>
+</file>
+
+<file path=ppt/slides/slide13.xml><?xml version="1.0" encoding="utf-8"?>
+<p:sld xmlns:a="http://schemas.openxmlformats.org/drawingml/2006/main" xmlns:r="http://schemas.openxmlformats.org/officeDocument/2006/relationships" xmlns:p="http://schemas.openxmlformats.org/presentationml/2006/main">
+  <p:cSld>
+    <p:spTree>
+      <p:nvGrpSpPr>
+        <p:cNvPr id="1" name=""/>
+        <p:cNvGrpSpPr/>
+        <p:nvPr/>
+      </p:nvGrpSpPr>
+      <p:grpSpPr>
+        <a:xfrm>
+          <a:off x="0" y="0"/>
+          <a:ext cx="0" cy="0"/>
+          <a:chOff x="0" y="0"/>
+          <a:chExt cx="0" cy="0"/>
+        </a:xfrm>
+      </p:grpSpPr>
+      <p:pic>
+        <p:nvPicPr>
+          <p:cNvPr id="5" name="Grafik 4"/>
+          <p:cNvPicPr>
+            <a:picLocks noChangeAspect="1"/>
+          </p:cNvPicPr>
+          <p:nvPr/>
+        </p:nvPicPr>
+        <p:blipFill>
+          <a:blip r:embed="rId2">
+            <a:extLst>
+              <a:ext uri="{28A0092B-C50C-407E-A947-70E740481C1C}">
+                <a14:useLocalDpi xmlns:a14="http://schemas.microsoft.com/office/drawing/2010/main" val="0"/>
+              </a:ext>
+            </a:extLst>
+          </a:blip>
+          <a:stretch>
+            <a:fillRect/>
+          </a:stretch>
+        </p:blipFill>
+        <p:spPr>
+          <a:xfrm>
+            <a:off x="1221149" y="1924511"/>
+            <a:ext cx="6591210" cy="2864703"/>
+          </a:xfrm>
+          <a:prstGeom prst="rect">
+            <a:avLst/>
+          </a:prstGeom>
+        </p:spPr>
+      </p:pic>
+      <p:sp>
+        <p:nvSpPr>
+          <p:cNvPr id="2" name="Titel 1"/>
+          <p:cNvSpPr>
+            <a:spLocks noGrp="1"/>
+          </p:cNvSpPr>
+          <p:nvPr>
+            <p:ph type="title"/>
+          </p:nvPr>
+        </p:nvSpPr>
+        <p:spPr>
+          <a:xfrm>
+            <a:off x="683568" y="627534"/>
+            <a:ext cx="7961656" cy="1095654"/>
+          </a:xfrm>
+        </p:spPr>
+        <p:txBody>
+          <a:bodyPr/>
+          <a:lstStyle/>
+          <a:p>
+            <a:r>
+              <a:rPr lang="de-DE" dirty="0"/>
+              <a:t>Implementierung – </a:t>
+            </a:r>
+            <a:r>
+              <a:rPr lang="de-DE" dirty="0" smtClean="0"/>
+              <a:t>Modultest</a:t>
+            </a:r>
+            <a:endParaRPr lang="de-DE" dirty="0"/>
+          </a:p>
+        </p:txBody>
+      </p:sp>
+      <p:sp>
+        <p:nvSpPr>
+          <p:cNvPr id="3" name="Textplatzhalter 2"/>
+          <p:cNvSpPr>
+            <a:spLocks noGrp="1"/>
+          </p:cNvSpPr>
+          <p:nvPr>
+            <p:ph type="body" sz="quarter" idx="14"/>
+          </p:nvPr>
+        </p:nvSpPr>
+        <p:spPr>
+          <a:xfrm>
+            <a:off x="3059832" y="4847158"/>
+            <a:ext cx="4752527" cy="215900"/>
+          </a:xfrm>
+        </p:spPr>
+        <p:txBody>
+          <a:bodyPr/>
+          <a:lstStyle/>
+          <a:p>
+            <a:r>
+              <a:rPr lang="de-DE" dirty="0"/>
+              <a:t>Positionsbestimmung drahtloser mobiler eingebetteter Systeme mittels Time </a:t>
+            </a:r>
+            <a:r>
+              <a:rPr lang="de-DE" dirty="0" err="1"/>
+              <a:t>Difference</a:t>
+            </a:r>
+            <a:r>
+              <a:rPr lang="de-DE" dirty="0"/>
+              <a:t> </a:t>
+            </a:r>
+            <a:r>
+              <a:rPr lang="de-DE" dirty="0" err="1"/>
+              <a:t>of</a:t>
+            </a:r>
+            <a:r>
+              <a:rPr lang="de-DE" dirty="0"/>
+              <a:t> Arrival</a:t>
+            </a:r>
+          </a:p>
+        </p:txBody>
+      </p:sp>
+      <p:sp>
+        <p:nvSpPr>
+          <p:cNvPr id="14" name="Datumsplatzhalter 13"/>
+          <p:cNvSpPr>
+            <a:spLocks noGrp="1"/>
+          </p:cNvSpPr>
+          <p:nvPr>
+            <p:ph type="dt" sz="half" idx="27"/>
+          </p:nvPr>
+        </p:nvSpPr>
+        <p:spPr/>
+        <p:txBody>
+          <a:bodyPr/>
+          <a:lstStyle/>
+          <a:p>
+            <a:fld id="{0AB88BE9-527A-4EE8-B68E-73F71DBEB556}" type="datetime1">
+              <a:rPr lang="de-DE" smtClean="0"/>
+              <a:t>26.11.2019</a:t>
+            </a:fld>
+            <a:endParaRPr lang="de-DE" dirty="0"/>
+          </a:p>
+        </p:txBody>
+      </p:sp>
+      <p:sp>
+        <p:nvSpPr>
+          <p:cNvPr id="15" name="Fußzeilenplatzhalter 14"/>
+          <p:cNvSpPr>
+            <a:spLocks noGrp="1"/>
+          </p:cNvSpPr>
+          <p:nvPr>
+            <p:ph type="ftr" sz="quarter" idx="28"/>
+          </p:nvPr>
+        </p:nvSpPr>
+        <p:spPr>
+          <a:xfrm>
+            <a:off x="1965072" y="4812372"/>
+            <a:ext cx="2304256" cy="273844"/>
+          </a:xfrm>
+        </p:spPr>
+        <p:txBody>
+          <a:bodyPr/>
+          <a:lstStyle/>
+          <a:p>
+            <a:r>
+              <a:rPr lang="de-DE" dirty="0" smtClean="0"/>
+              <a:t>Oliver Koepp</a:t>
+            </a:r>
+            <a:endParaRPr lang="de-DE" dirty="0"/>
+          </a:p>
+        </p:txBody>
+      </p:sp>
+      <p:sp>
+        <p:nvSpPr>
+          <p:cNvPr id="26" name="Textfeld 25"/>
+          <p:cNvSpPr txBox="1"/>
+          <p:nvPr/>
+        </p:nvSpPr>
+        <p:spPr>
+          <a:xfrm>
+            <a:off x="683568" y="1273791"/>
+            <a:ext cx="8460432" cy="923330"/>
+          </a:xfrm>
+          <a:prstGeom prst="rect">
+            <a:avLst/>
+          </a:prstGeom>
+          <a:noFill/>
+        </p:spPr>
+        <p:txBody>
+          <a:bodyPr wrap="square" rtlCol="0">
+            <a:spAutoFit/>
+          </a:bodyPr>
+          <a:lstStyle/>
+          <a:p>
+            <a:pPr marL="285750" indent="-285750">
+              <a:buFont typeface="Arial" panose="020B0604020202020204" pitchFamily="34" charset="0"/>
+              <a:buChar char="•"/>
+            </a:pPr>
+            <a:r>
+              <a:rPr lang="de-DE" dirty="0" smtClean="0"/>
+              <a:t>Fehlereingrenzung durch unabhängige Module</a:t>
+            </a:r>
+          </a:p>
+          <a:p>
+            <a:pPr marL="285750" indent="-285750">
+              <a:buFont typeface="Arial" panose="020B0604020202020204" pitchFamily="34" charset="0"/>
+              <a:buChar char="•"/>
+            </a:pPr>
+            <a:r>
+              <a:rPr lang="de-DE" dirty="0" smtClean="0"/>
+              <a:t>Abweichungen besser zu erkennen</a:t>
+            </a:r>
+            <a:endParaRPr lang="de-DE" dirty="0"/>
+          </a:p>
+          <a:p>
+            <a:pPr marL="285750" indent="-285750">
+              <a:buFont typeface="Arial" panose="020B0604020202020204" pitchFamily="34" charset="0"/>
+              <a:buChar char="•"/>
+            </a:pPr>
+            <a:endParaRPr lang="de-DE" dirty="0" smtClean="0"/>
+          </a:p>
+        </p:txBody>
+      </p:sp>
+    </p:spTree>
+    <p:extLst>
+      <p:ext uri="{BB962C8B-B14F-4D97-AF65-F5344CB8AC3E}">
+        <p14:creationId xmlns:p14="http://schemas.microsoft.com/office/powerpoint/2010/main" val="281161757"/>
       </p:ext>
     </p:extLst>
   </p:cSld>
@@ -10430,8 +10179,12 @@
           <a:lstStyle/>
           <a:p>
             <a:r>
-              <a:rPr lang="de-DE" dirty="0" smtClean="0"/>
-              <a:t>Implementierung - Hardware</a:t>
+              <a:rPr lang="de-DE" dirty="0"/>
+              <a:t>Implementierung – </a:t>
+            </a:r>
+            <a:r>
+              <a:rPr lang="de-DE" dirty="0" smtClean="0"/>
+              <a:t>Modultest</a:t>
             </a:r>
             <a:endParaRPr lang="de-DE" dirty="0"/>
           </a:p>
@@ -10477,7 +10230,6 @@
               <a:rPr lang="de-DE" dirty="0"/>
               <a:t> Arrival</a:t>
             </a:r>
-            <a:endParaRPr lang="de-DE" dirty="0"/>
           </a:p>
         </p:txBody>
       </p:sp>
@@ -10498,7 +10250,7 @@
           <a:p>
             <a:fld id="{0AB88BE9-527A-4EE8-B68E-73F71DBEB556}" type="datetime1">
               <a:rPr lang="de-DE" smtClean="0"/>
-              <a:t>25.11.2019</a:t>
+              <a:t>26.11.2019</a:t>
             </a:fld>
             <a:endParaRPr lang="de-DE" dirty="0"/>
           </a:p>
@@ -10556,7 +10308,50 @@
           <a:p>
             <a:r>
               <a:rPr lang="de-DE" dirty="0" smtClean="0"/>
-              <a:t>Master:</a:t>
+              <a:t>Modul A: Sound </a:t>
+            </a:r>
+            <a:r>
+              <a:rPr lang="de-DE" dirty="0" err="1" smtClean="0"/>
+              <a:t>Detector</a:t>
+            </a:r>
+            <a:r>
+              <a:rPr lang="de-DE" dirty="0" smtClean="0"/>
+              <a:t> </a:t>
+            </a:r>
+            <a:r>
+              <a:rPr lang="de-DE" dirty="0" smtClean="0">
+                <a:sym typeface="Wingdings" panose="05000000000000000000" pitchFamily="2" charset="2"/>
+              </a:rPr>
+              <a:t> Master</a:t>
+            </a:r>
+          </a:p>
+          <a:p>
+            <a:r>
+              <a:rPr lang="de-DE" dirty="0" smtClean="0"/>
+              <a:t>Modul B: </a:t>
+            </a:r>
+            <a:r>
+              <a:rPr lang="de-DE" dirty="0" err="1" smtClean="0"/>
+              <a:t>Interruptzeit</a:t>
+            </a:r>
+            <a:r>
+              <a:rPr lang="de-DE" dirty="0" smtClean="0"/>
+              <a:t> Slave</a:t>
+            </a:r>
+            <a:endParaRPr lang="de-DE" dirty="0">
+              <a:sym typeface="Wingdings" panose="05000000000000000000" pitchFamily="2" charset="2"/>
+            </a:endParaRPr>
+          </a:p>
+          <a:p>
+            <a:r>
+              <a:rPr lang="de-DE" dirty="0" smtClean="0"/>
+              <a:t>Modul C: Slave </a:t>
+            </a:r>
+            <a:r>
+              <a:rPr lang="de-DE" dirty="0" smtClean="0">
+                <a:sym typeface="Wingdings" panose="05000000000000000000" pitchFamily="2" charset="2"/>
+              </a:rPr>
+              <a:t> Lautsprecher</a:t>
             </a:r>
           </a:p>
           <a:p>
@@ -10564,20 +10359,32 @@
               <a:buFont typeface="Arial" panose="020B0604020202020204" pitchFamily="34" charset="0"/>
               <a:buChar char="•"/>
             </a:pPr>
+            <a:endParaRPr lang="de-DE" dirty="0">
+              <a:sym typeface="Wingdings" panose="05000000000000000000" pitchFamily="2" charset="2"/>
+            </a:endParaRPr>
+          </a:p>
+          <a:p>
+            <a:r>
+              <a:rPr lang="de-DE" dirty="0" smtClean="0"/>
+              <a:t>Modul D: Lautsprecher </a:t>
+            </a:r>
+            <a:r>
+              <a:rPr lang="de-DE" dirty="0" smtClean="0">
+                <a:sym typeface="Wingdings" panose="05000000000000000000" pitchFamily="2" charset="2"/>
+              </a:rPr>
+              <a:t> Mikrofon</a:t>
+            </a:r>
             <a:endParaRPr lang="de-DE" dirty="0" smtClean="0"/>
-          </a:p>
-          <a:p>
-            <a:r>
-              <a:rPr lang="de-DE" dirty="0" smtClean="0"/>
-              <a:t>Lösung:</a:t>
-            </a:r>
           </a:p>
           <a:p>
             <a:pPr marL="285750" indent="-285750">
               <a:buFont typeface="Arial" panose="020B0604020202020204" pitchFamily="34" charset="0"/>
               <a:buChar char="•"/>
             </a:pPr>
-            <a:endParaRPr lang="de-DE" dirty="0" smtClean="0"/>
+            <a:r>
+              <a:rPr lang="de-DE" dirty="0" smtClean="0"/>
+              <a:t>Millisekunden Abweichung</a:t>
+            </a:r>
           </a:p>
           <a:p>
             <a:pPr marL="285750" indent="-285750">
@@ -10586,33 +10393,7 @@
             </a:pPr>
             <a:r>
               <a:rPr lang="de-DE" dirty="0" smtClean="0"/>
-              <a:t>Positionsgleichungen lösen</a:t>
-            </a:r>
-          </a:p>
-          <a:p>
-            <a:pPr marL="742950" lvl="1" indent="-285750">
-              <a:buFont typeface="Arial" panose="020B0604020202020204" pitchFamily="34" charset="0"/>
-              <a:buChar char="•"/>
-            </a:pPr>
-            <a:r>
-              <a:rPr lang="de-DE" dirty="0" smtClean="0"/>
-              <a:t>Time </a:t>
-            </a:r>
-            <a:r>
-              <a:rPr lang="de-DE" dirty="0" err="1" smtClean="0"/>
-              <a:t>Difference</a:t>
-            </a:r>
-            <a:r>
-              <a:rPr lang="de-DE" dirty="0" smtClean="0"/>
-              <a:t> </a:t>
-            </a:r>
-            <a:r>
-              <a:rPr lang="de-DE" dirty="0" err="1" smtClean="0"/>
-              <a:t>of</a:t>
-            </a:r>
-            <a:r>
-              <a:rPr lang="de-DE" dirty="0" smtClean="0"/>
-              <a:t> Arrival</a:t>
+              <a:t>Wird mit der Distanz größer</a:t>
             </a:r>
           </a:p>
           <a:p>
@@ -10622,17 +10403,16 @@
             </a:pPr>
             <a:r>
               <a:rPr lang="de-DE" dirty="0" smtClean="0"/>
-              <a:t>Zeitsynchronisation</a:t>
-            </a:r>
-          </a:p>
-          <a:p>
-            <a:pPr marL="742950" lvl="1" indent="-285750">
-              <a:buFont typeface="Arial" panose="020B0604020202020204" pitchFamily="34" charset="0"/>
-              <a:buChar char="•"/>
-            </a:pPr>
-            <a:r>
-              <a:rPr lang="de-DE" dirty="0" smtClean="0"/>
-              <a:t>Precision Time Protocol (PTP)</a:t>
+              <a:t>Kann nicht durch eine Funktion approximiert werden</a:t>
+            </a:r>
+          </a:p>
+          <a:p>
+            <a:endParaRPr lang="de-DE" dirty="0" smtClean="0"/>
+          </a:p>
+          <a:p>
+            <a:r>
+              <a:rPr lang="de-DE" dirty="0" smtClean="0"/>
+              <a:t>Vermutung:</a:t>
             </a:r>
           </a:p>
           <a:p>
@@ -10642,36 +10422,314 @@
             </a:pPr>
             <a:r>
               <a:rPr lang="de-DE" dirty="0" smtClean="0"/>
-              <a:t>Kommunikation zwischen Master und Slave</a:t>
-            </a:r>
-          </a:p>
-          <a:p>
-            <a:pPr marL="742950" lvl="1" indent="-285750">
+              <a:t>Ablenkung des Schalls </a:t>
+            </a:r>
+            <a:r>
+              <a:rPr lang="de-DE" dirty="0" smtClean="0">
+                <a:sym typeface="Wingdings" panose="05000000000000000000" pitchFamily="2" charset="2"/>
+              </a:rPr>
+              <a:t> Tische/ Stühle</a:t>
+            </a:r>
+            <a:endParaRPr lang="de-DE" dirty="0" smtClean="0"/>
+          </a:p>
+          <a:p>
+            <a:pPr marL="285750" indent="-285750">
               <a:buFont typeface="Arial" panose="020B0604020202020204" pitchFamily="34" charset="0"/>
               <a:buChar char="•"/>
             </a:pPr>
-            <a:endParaRPr lang="de-DE" dirty="0" smtClean="0"/>
-          </a:p>
-          <a:p>
-            <a:pPr marL="742950" lvl="1" indent="-285750">
-              <a:buFont typeface="Arial" panose="020B0604020202020204" pitchFamily="34" charset="0"/>
-              <a:buChar char="•"/>
-            </a:pPr>
-            <a:endParaRPr lang="de-DE" dirty="0" smtClean="0"/>
-          </a:p>
-          <a:p>
-            <a:pPr marL="742950" lvl="1" indent="-285750">
-              <a:buFont typeface="Arial" panose="020B0604020202020204" pitchFamily="34" charset="0"/>
-              <a:buChar char="•"/>
-            </a:pPr>
-            <a:endParaRPr lang="de-DE" dirty="0"/>
-          </a:p>
-        </p:txBody>
-      </p:sp>
+            <a:r>
+              <a:rPr lang="de-DE" dirty="0" smtClean="0"/>
+              <a:t>Falsche Erkennen der Sinus-Schwingung</a:t>
+            </a:r>
+          </a:p>
+        </p:txBody>
+      </p:sp>
+      <mc:AlternateContent xmlns:mc="http://schemas.openxmlformats.org/markup-compatibility/2006">
+        <mc:Choice xmlns:a14="http://schemas.microsoft.com/office/drawing/2010/main" Requires="a14">
+          <p:sp>
+            <p:nvSpPr>
+              <p:cNvPr id="4" name="Textfeld 3"/>
+              <p:cNvSpPr txBox="1"/>
+              <p:nvPr/>
+            </p:nvSpPr>
+            <p:spPr>
+              <a:xfrm rot="10800000">
+                <a:off x="4499992" y="1287318"/>
+                <a:ext cx="1224136" cy="976614"/>
+              </a:xfrm>
+              <a:prstGeom prst="rect">
+                <a:avLst/>
+              </a:prstGeom>
+              <a:noFill/>
+            </p:spPr>
+            <p:txBody>
+              <a:bodyPr wrap="square" rtlCol="0">
+                <a:spAutoFit/>
+              </a:bodyPr>
+              <a:lstStyle/>
+              <a:p>
+                <a14:m>
+                  <m:oMathPara xmlns:m="http://schemas.openxmlformats.org/officeDocument/2006/math">
+                    <m:oMathParaPr>
+                      <m:jc m:val="centerGroup"/>
+                    </m:oMathParaPr>
+                    <m:oMath xmlns:m="http://schemas.openxmlformats.org/officeDocument/2006/math">
+                      <m:d>
+                        <m:dPr>
+                          <m:begChr m:val="{"/>
+                          <m:endChr m:val=""/>
+                          <m:ctrlPr>
+                            <a:rPr lang="de-DE" i="1" smtClean="0">
+                              <a:latin typeface="Cambria Math" panose="02040503050406030204" pitchFamily="18" charset="0"/>
+                            </a:rPr>
+                          </m:ctrlPr>
+                        </m:dPr>
+                        <m:e>
+                          <m:eqArr>
+                            <m:eqArrPr>
+                              <m:ctrlPr>
+                                <a:rPr lang="de-DE" i="1" smtClean="0">
+                                  <a:latin typeface="Cambria Math" panose="02040503050406030204" pitchFamily="18" charset="0"/>
+                                </a:rPr>
+                              </m:ctrlPr>
+                            </m:eqArrPr>
+                            <m:e/>
+                            <m:e/>
+                            <m:e/>
+                          </m:eqArr>
+                        </m:e>
+                      </m:d>
+                    </m:oMath>
+                  </m:oMathPara>
+                </a14:m>
+                <a:endParaRPr lang="de-DE" dirty="0"/>
+              </a:p>
+            </p:txBody>
+          </p:sp>
+        </mc:Choice>
+        <mc:Fallback>
+          <p:sp>
+            <p:nvSpPr>
+              <p:cNvPr id="4" name="Textfeld 3"/>
+              <p:cNvSpPr txBox="1">
+                <a:spLocks noRot="1" noChangeAspect="1" noMove="1" noResize="1" noEditPoints="1" noAdjustHandles="1" noChangeArrowheads="1" noChangeShapeType="1" noTextEdit="1"/>
+              </p:cNvSpPr>
+              <p:nvPr/>
+            </p:nvSpPr>
+            <p:spPr>
+              <a:xfrm rot="10800000">
+                <a:off x="4499992" y="1287318"/>
+                <a:ext cx="1224136" cy="976614"/>
+              </a:xfrm>
+              <a:prstGeom prst="rect">
+                <a:avLst/>
+              </a:prstGeom>
+              <a:blipFill>
+                <a:blip r:embed="rId2"/>
+                <a:stretch>
+                  <a:fillRect/>
+                </a:stretch>
+              </a:blipFill>
+            </p:spPr>
+            <p:txBody>
+              <a:bodyPr/>
+              <a:lstStyle/>
+              <a:p>
+                <a:r>
+                  <a:rPr lang="de-DE">
+                    <a:noFill/>
+                  </a:rPr>
+                  <a:t> </a:t>
+                </a:r>
+              </a:p>
+            </p:txBody>
+          </p:sp>
+        </mc:Fallback>
+      </mc:AlternateContent>
+      <p:sp>
+        <p:nvSpPr>
+          <p:cNvPr id="6" name="Textfeld 5"/>
+          <p:cNvSpPr txBox="1"/>
+          <p:nvPr/>
+        </p:nvSpPr>
+        <p:spPr>
+          <a:xfrm>
+            <a:off x="4860123" y="1941645"/>
+            <a:ext cx="288032" cy="257163"/>
+          </a:xfrm>
+          <a:prstGeom prst="rect">
+            <a:avLst/>
+          </a:prstGeom>
+          <a:solidFill>
+            <a:schemeClr val="bg1"/>
+          </a:solidFill>
+        </p:spPr>
+        <p:txBody>
+          <a:bodyPr wrap="square" rtlCol="0">
+            <a:spAutoFit/>
+          </a:bodyPr>
+          <a:lstStyle/>
+          <a:p>
+            <a:endParaRPr lang="de-DE" dirty="0"/>
+          </a:p>
+        </p:txBody>
+      </p:sp>
+      <p:sp>
+        <p:nvSpPr>
+          <p:cNvPr id="10" name="Textfeld 9"/>
+          <p:cNvSpPr txBox="1"/>
+          <p:nvPr/>
+        </p:nvSpPr>
+        <p:spPr>
+          <a:xfrm>
+            <a:off x="4913784" y="1675988"/>
+            <a:ext cx="288032" cy="257163"/>
+          </a:xfrm>
+          <a:prstGeom prst="rect">
+            <a:avLst/>
+          </a:prstGeom>
+          <a:solidFill>
+            <a:schemeClr val="bg1"/>
+          </a:solidFill>
+        </p:spPr>
+        <p:txBody>
+          <a:bodyPr wrap="square" rtlCol="0">
+            <a:spAutoFit/>
+          </a:bodyPr>
+          <a:lstStyle/>
+          <a:p>
+            <a:endParaRPr lang="de-DE" dirty="0"/>
+          </a:p>
+        </p:txBody>
+      </p:sp>
+      <p:sp>
+        <p:nvSpPr>
+          <p:cNvPr id="11" name="Textfeld 10"/>
+          <p:cNvSpPr txBox="1"/>
+          <p:nvPr/>
+        </p:nvSpPr>
+        <p:spPr>
+          <a:xfrm>
+            <a:off x="4917735" y="1396009"/>
+            <a:ext cx="288032" cy="257163"/>
+          </a:xfrm>
+          <a:prstGeom prst="rect">
+            <a:avLst/>
+          </a:prstGeom>
+          <a:solidFill>
+            <a:schemeClr val="bg1"/>
+          </a:solidFill>
+        </p:spPr>
+        <p:txBody>
+          <a:bodyPr wrap="square" rtlCol="0">
+            <a:spAutoFit/>
+          </a:bodyPr>
+          <a:lstStyle/>
+          <a:p>
+            <a:endParaRPr lang="de-DE" dirty="0"/>
+          </a:p>
+        </p:txBody>
+      </p:sp>
+      <mc:AlternateContent xmlns:mc="http://schemas.openxmlformats.org/markup-compatibility/2006">
+        <mc:Choice xmlns:a14="http://schemas.microsoft.com/office/drawing/2010/main" Requires="a14">
+          <p:sp>
+            <p:nvSpPr>
+              <p:cNvPr id="7" name="Textfeld 6"/>
+              <p:cNvSpPr txBox="1"/>
+              <p:nvPr/>
+            </p:nvSpPr>
+            <p:spPr>
+              <a:xfrm>
+                <a:off x="5561947" y="1452899"/>
+                <a:ext cx="3419872" cy="646331"/>
+              </a:xfrm>
+              <a:prstGeom prst="rect">
+                <a:avLst/>
+              </a:prstGeom>
+              <a:noFill/>
+            </p:spPr>
+            <p:txBody>
+              <a:bodyPr wrap="square" rtlCol="0">
+                <a:spAutoFit/>
+              </a:bodyPr>
+              <a:lstStyle/>
+              <a:p>
+                <a:pPr marL="285750" indent="-285750">
+                  <a:buFont typeface="Arial" panose="020B0604020202020204" pitchFamily="34" charset="0"/>
+                  <a:buChar char="•"/>
+                </a:pPr>
+                <a:r>
+                  <a:rPr lang="de-DE" dirty="0"/>
+                  <a:t>Konstant</a:t>
+                </a:r>
+                <a:endParaRPr lang="de-DE" dirty="0"/>
+              </a:p>
+              <a:p>
+                <a:pPr marL="285750" indent="-285750">
+                  <a:buFont typeface="Arial" panose="020B0604020202020204" pitchFamily="34" charset="0"/>
+                  <a:buChar char="•"/>
+                </a:pPr>
+                <a14:m>
+                  <m:oMath xmlns:m="http://schemas.openxmlformats.org/officeDocument/2006/math">
+                    <m:r>
+                      <a:rPr lang="de-DE" i="1">
+                        <a:latin typeface="Cambria Math" panose="02040503050406030204" pitchFamily="18" charset="0"/>
+                      </a:rPr>
+                      <m:t>𝜇</m:t>
+                    </m:r>
+                  </m:oMath>
+                </a14:m>
+                <a:r>
+                  <a:rPr lang="de-DE" dirty="0"/>
+                  <a:t>-Sekunden Abweichung</a:t>
+                </a:r>
+              </a:p>
+            </p:txBody>
+          </p:sp>
+        </mc:Choice>
+        <mc:Fallback>
+          <p:sp>
+            <p:nvSpPr>
+              <p:cNvPr id="7" name="Textfeld 6"/>
+              <p:cNvSpPr txBox="1">
+                <a:spLocks noRot="1" noChangeAspect="1" noMove="1" noResize="1" noEditPoints="1" noAdjustHandles="1" noChangeArrowheads="1" noChangeShapeType="1" noTextEdit="1"/>
+              </p:cNvSpPr>
+              <p:nvPr/>
+            </p:nvSpPr>
+            <p:spPr>
+              <a:xfrm>
+                <a:off x="5561947" y="1452899"/>
+                <a:ext cx="3419872" cy="646331"/>
+              </a:xfrm>
+              <a:prstGeom prst="rect">
+                <a:avLst/>
+              </a:prstGeom>
+              <a:blipFill>
+                <a:blip r:embed="rId3"/>
+                <a:stretch>
+                  <a:fillRect l="-1070" t="-4717" b="-14151"/>
+                </a:stretch>
+              </a:blipFill>
+            </p:spPr>
+            <p:txBody>
+              <a:bodyPr/>
+              <a:lstStyle/>
+              <a:p>
+                <a:r>
+                  <a:rPr lang="de-DE">
+                    <a:noFill/>
+                  </a:rPr>
+                  <a:t> </a:t>
+                </a:r>
+              </a:p>
+            </p:txBody>
+          </p:sp>
+        </mc:Fallback>
+      </mc:AlternateContent>
     </p:spTree>
     <p:extLst>
       <p:ext uri="{BB962C8B-B14F-4D97-AF65-F5344CB8AC3E}">
-        <p14:creationId xmlns:p14="http://schemas.microsoft.com/office/powerpoint/2010/main" val="3481562852"/>
+        <p14:creationId xmlns:p14="http://schemas.microsoft.com/office/powerpoint/2010/main" val="1152823436"/>
       </p:ext>
     </p:extLst>
   </p:cSld>
@@ -10717,7 +10775,7 @@
         </p:nvSpPr>
         <p:spPr>
           <a:xfrm>
-            <a:off x="720000" y="612000"/>
+            <a:off x="683568" y="627534"/>
             <a:ext cx="7961656" cy="1095654"/>
           </a:xfrm>
         </p:spPr>
@@ -10726,8 +10784,12 @@
           <a:lstStyle/>
           <a:p>
             <a:r>
-              <a:rPr lang="de-DE" dirty="0" smtClean="0"/>
-              <a:t>Auswertung</a:t>
+              <a:rPr lang="de-DE" dirty="0"/>
+              <a:t>Implementierung – </a:t>
+            </a:r>
+            <a:r>
+              <a:rPr lang="de-DE" dirty="0" smtClean="0"/>
+              <a:t>Software</a:t>
             </a:r>
             <a:endParaRPr lang="de-DE" dirty="0"/>
           </a:p>
@@ -10773,7 +10835,6 @@
               <a:rPr lang="de-DE" dirty="0"/>
               <a:t> Arrival</a:t>
             </a:r>
-            <a:endParaRPr lang="de-DE" dirty="0"/>
           </a:p>
         </p:txBody>
       </p:sp>
@@ -10794,7 +10855,7 @@
           <a:p>
             <a:fld id="{0AB88BE9-527A-4EE8-B68E-73F71DBEB556}" type="datetime1">
               <a:rPr lang="de-DE" smtClean="0"/>
-              <a:t>25.11.2019</a:t>
+              <a:t>26.11.2019</a:t>
             </a:fld>
             <a:endParaRPr lang="de-DE" dirty="0"/>
           </a:p>
@@ -10830,14 +10891,14 @@
       </p:sp>
       <p:sp>
         <p:nvSpPr>
-          <p:cNvPr id="6" name="Textfeld 5"/>
+          <p:cNvPr id="26" name="Textfeld 25"/>
           <p:cNvSpPr txBox="1"/>
           <p:nvPr/>
         </p:nvSpPr>
         <p:spPr>
           <a:xfrm>
             <a:off x="683568" y="1273791"/>
-            <a:ext cx="6210672" cy="4739759"/>
+            <a:ext cx="8460432" cy="2862322"/>
           </a:xfrm>
           <a:prstGeom prst="rect">
             <a:avLst/>
@@ -10851,13 +10912,88 @@
           <a:lstStyle/>
           <a:p>
             <a:r>
-              <a:rPr lang="de-DE" sz="3200" b="1" dirty="0" smtClean="0">
-                <a:solidFill>
-                  <a:schemeClr val="tx2"/>
-                </a:solidFill>
-              </a:rPr>
-              <a:t>Erfolgreich:</a:t>
-            </a:r>
+              <a:rPr lang="de-DE" dirty="0" smtClean="0"/>
+              <a:t>Ablauf:</a:t>
+            </a:r>
+          </a:p>
+          <a:p>
+            <a:pPr marL="342900" indent="-342900">
+              <a:buFont typeface="+mj-lt"/>
+              <a:buAutoNum type="arabicPeriod"/>
+            </a:pPr>
+            <a:r>
+              <a:rPr lang="de-DE" dirty="0" smtClean="0"/>
+              <a:t>Koordinaten für Knoten A,B,C festlegen</a:t>
+            </a:r>
+            <a:endParaRPr lang="de-DE" dirty="0" smtClean="0"/>
+          </a:p>
+          <a:p>
+            <a:pPr marL="342900" indent="-342900">
+              <a:buFont typeface="+mj-lt"/>
+              <a:buAutoNum type="arabicPeriod"/>
+            </a:pPr>
+            <a:r>
+              <a:rPr lang="de-DE" dirty="0" smtClean="0"/>
+              <a:t>Zeitsynchronisation für Knoten A</a:t>
+            </a:r>
+          </a:p>
+          <a:p>
+            <a:pPr marL="342900" indent="-342900">
+              <a:buFont typeface="+mj-lt"/>
+              <a:buAutoNum type="arabicPeriod"/>
+            </a:pPr>
+            <a:r>
+              <a:rPr lang="de-DE" dirty="0" smtClean="0"/>
+              <a:t>Messung für Knoten A</a:t>
+            </a:r>
+          </a:p>
+          <a:p>
+            <a:pPr marL="342900" indent="-342900">
+              <a:buFont typeface="+mj-lt"/>
+              <a:buAutoNum type="arabicPeriod"/>
+            </a:pPr>
+            <a:r>
+              <a:rPr lang="de-DE" dirty="0" smtClean="0"/>
+              <a:t>Wiederhole Schritte 2 &amp; 3 für Knoten B &amp; C</a:t>
+            </a:r>
+            <a:endParaRPr lang="de-DE" dirty="0"/>
+          </a:p>
+          <a:p>
+            <a:pPr marL="342900" indent="-342900">
+              <a:buFont typeface="+mj-lt"/>
+              <a:buAutoNum type="arabicPeriod"/>
+            </a:pPr>
+            <a:r>
+              <a:rPr lang="de-DE" dirty="0" smtClean="0"/>
+              <a:t>Positionsbestimmungsgleichung lösen</a:t>
+            </a:r>
+          </a:p>
+          <a:p>
+            <a:pPr marL="342900" indent="-342900">
+              <a:buFont typeface="+mj-lt"/>
+              <a:buAutoNum type="arabicPeriod"/>
+            </a:pPr>
+            <a:r>
+              <a:rPr lang="de-DE" dirty="0" smtClean="0"/>
+              <a:t>Ergebnis über UART ausgeben</a:t>
+            </a:r>
+          </a:p>
+          <a:p>
+            <a:pPr marL="342900" indent="-342900">
+              <a:buFont typeface="+mj-lt"/>
+              <a:buAutoNum type="arabicPeriod"/>
+            </a:pPr>
+            <a:r>
+              <a:rPr lang="de-DE" dirty="0" smtClean="0"/>
+              <a:t>Wiederhole Schritt 2</a:t>
+            </a:r>
+          </a:p>
+          <a:p>
+            <a:pPr marL="285750" indent="-285750">
+              <a:buFont typeface="Arial" panose="020B0604020202020204" pitchFamily="34" charset="0"/>
+              <a:buChar char="•"/>
+            </a:pPr>
+            <a:endParaRPr lang="de-DE" dirty="0"/>
           </a:p>
           <a:p>
             <a:pPr marL="285750" indent="-285750">
@@ -10866,143 +11002,12 @@
             </a:pPr>
             <a:endParaRPr lang="de-DE" dirty="0" smtClean="0"/>
           </a:p>
-          <a:p>
-            <a:pPr marL="285750" indent="-285750">
-              <a:buFont typeface="Arial" panose="020B0604020202020204" pitchFamily="34" charset="0"/>
-              <a:buChar char="•"/>
-            </a:pPr>
-            <a:r>
-              <a:rPr lang="de-DE" dirty="0" smtClean="0"/>
-              <a:t>Zeitsynchronisation</a:t>
-            </a:r>
-          </a:p>
-          <a:p>
-            <a:pPr marL="285750" indent="-285750">
-              <a:buFont typeface="Arial" panose="020B0604020202020204" pitchFamily="34" charset="0"/>
-              <a:buChar char="•"/>
-            </a:pPr>
-            <a:r>
-              <a:rPr lang="de-DE" dirty="0" smtClean="0"/>
-              <a:t>Theoretische Positionsbestimmung</a:t>
-            </a:r>
-          </a:p>
-          <a:p>
-            <a:pPr marL="285750" indent="-285750">
-              <a:buFont typeface="Arial" panose="020B0604020202020204" pitchFamily="34" charset="0"/>
-              <a:buChar char="•"/>
-            </a:pPr>
-            <a:endParaRPr lang="de-DE" dirty="0" smtClean="0"/>
-          </a:p>
-          <a:p>
-            <a:pPr marL="285750" indent="-285750">
-              <a:buFont typeface="Arial" panose="020B0604020202020204" pitchFamily="34" charset="0"/>
-              <a:buChar char="•"/>
-            </a:pPr>
-            <a:endParaRPr lang="de-DE" dirty="0"/>
-          </a:p>
-          <a:p>
-            <a:pPr marL="285750" indent="-285750">
-              <a:buFont typeface="Arial" panose="020B0604020202020204" pitchFamily="34" charset="0"/>
-              <a:buChar char="•"/>
-            </a:pPr>
-            <a:r>
-              <a:rPr lang="de-DE" dirty="0" smtClean="0"/>
-              <a:t>Positionsbestimmung</a:t>
-            </a:r>
-          </a:p>
-          <a:p>
-            <a:pPr marL="285750" indent="-285750">
-              <a:buFont typeface="Arial" panose="020B0604020202020204" pitchFamily="34" charset="0"/>
-              <a:buChar char="•"/>
-            </a:pPr>
-            <a:r>
-              <a:rPr lang="de-DE" dirty="0" smtClean="0"/>
-              <a:t>Verwendete Hardware</a:t>
-            </a:r>
-          </a:p>
-          <a:p>
-            <a:pPr marL="285750" indent="-285750">
-              <a:buFont typeface="Arial" panose="020B0604020202020204" pitchFamily="34" charset="0"/>
-              <a:buChar char="•"/>
-            </a:pPr>
-            <a:r>
-              <a:rPr lang="de-DE" dirty="0" smtClean="0"/>
-              <a:t>Implementierung</a:t>
-            </a:r>
-          </a:p>
-          <a:p>
-            <a:pPr marL="742950" lvl="1" indent="-285750">
-              <a:buFont typeface="Arial" panose="020B0604020202020204" pitchFamily="34" charset="0"/>
-              <a:buChar char="•"/>
-            </a:pPr>
-            <a:r>
-              <a:rPr lang="de-DE" dirty="0" smtClean="0"/>
-              <a:t>Mathematischen Grundlagen</a:t>
-            </a:r>
-          </a:p>
-          <a:p>
-            <a:pPr marL="742950" lvl="1" indent="-285750">
-              <a:buFont typeface="Arial" panose="020B0604020202020204" pitchFamily="34" charset="0"/>
-              <a:buChar char="•"/>
-            </a:pPr>
-            <a:r>
-              <a:rPr lang="de-DE" dirty="0" smtClean="0"/>
-              <a:t>Hardware</a:t>
-            </a:r>
-          </a:p>
-          <a:p>
-            <a:pPr marL="742950" lvl="1" indent="-285750">
-              <a:buFont typeface="Arial" panose="020B0604020202020204" pitchFamily="34" charset="0"/>
-              <a:buChar char="•"/>
-            </a:pPr>
-            <a:r>
-              <a:rPr lang="de-DE" dirty="0" smtClean="0"/>
-              <a:t>Software</a:t>
-            </a:r>
-          </a:p>
-          <a:p>
-            <a:pPr marL="742950" lvl="1" indent="-285750">
-              <a:buFont typeface="Arial" panose="020B0604020202020204" pitchFamily="34" charset="0"/>
-              <a:buChar char="•"/>
-            </a:pPr>
-            <a:r>
-              <a:rPr lang="de-DE" dirty="0" smtClean="0"/>
-              <a:t>Testszenarien</a:t>
-            </a:r>
-          </a:p>
-          <a:p>
-            <a:pPr marL="285750" indent="-285750">
-              <a:buFont typeface="Arial" panose="020B0604020202020204" pitchFamily="34" charset="0"/>
-              <a:buChar char="•"/>
-            </a:pPr>
-            <a:r>
-              <a:rPr lang="de-DE" dirty="0" smtClean="0"/>
-              <a:t>Auswertung</a:t>
-            </a:r>
-          </a:p>
-          <a:p>
-            <a:pPr marL="742950" lvl="1" indent="-285750">
-              <a:buFont typeface="Arial" panose="020B0604020202020204" pitchFamily="34" charset="0"/>
-              <a:buChar char="•"/>
-            </a:pPr>
-            <a:endParaRPr lang="de-DE" dirty="0" smtClean="0"/>
-          </a:p>
-          <a:p>
-            <a:pPr marL="285750" indent="-285750">
-              <a:buFont typeface="Arial" panose="020B0604020202020204" pitchFamily="34" charset="0"/>
-              <a:buChar char="•"/>
-            </a:pPr>
-            <a:r>
-              <a:rPr lang="de-DE" dirty="0" smtClean="0"/>
-              <a:t>Praktische Durchführung</a:t>
-            </a:r>
-          </a:p>
         </p:txBody>
       </p:sp>
     </p:spTree>
     <p:extLst>
       <p:ext uri="{BB962C8B-B14F-4D97-AF65-F5344CB8AC3E}">
-        <p14:creationId xmlns:p14="http://schemas.microsoft.com/office/powerpoint/2010/main" val="518507443"/>
+        <p14:creationId xmlns:p14="http://schemas.microsoft.com/office/powerpoint/2010/main" val="3039512715"/>
       </p:ext>
     </p:extLst>
   </p:cSld>
@@ -11058,7 +11063,7 @@
           <a:p>
             <a:r>
               <a:rPr lang="de-DE" dirty="0" smtClean="0"/>
-              <a:t>Fazit</a:t>
+              <a:t>Auswertung</a:t>
             </a:r>
             <a:endParaRPr lang="de-DE" dirty="0"/>
           </a:p>
@@ -11104,7 +11109,6 @@
               <a:rPr lang="de-DE" dirty="0"/>
               <a:t> Arrival</a:t>
             </a:r>
-            <a:endParaRPr lang="de-DE" dirty="0"/>
           </a:p>
         </p:txBody>
       </p:sp>
@@ -11125,7 +11129,7 @@
           <a:p>
             <a:fld id="{0AB88BE9-527A-4EE8-B68E-73F71DBEB556}" type="datetime1">
               <a:rPr lang="de-DE" smtClean="0"/>
-              <a:t>25.11.2019</a:t>
+              <a:t>26.11.2019</a:t>
             </a:fld>
             <a:endParaRPr lang="de-DE" dirty="0"/>
           </a:p>
@@ -11168,7 +11172,7 @@
         <p:spPr>
           <a:xfrm>
             <a:off x="683568" y="1273791"/>
-            <a:ext cx="8352928" cy="2862322"/>
+            <a:ext cx="8460432" cy="2308324"/>
           </a:xfrm>
           <a:prstGeom prst="rect">
             <a:avLst/>
@@ -11181,14 +11185,21 @@
           </a:bodyPr>
           <a:lstStyle/>
           <a:p>
+            <a:r>
+              <a:rPr lang="de-DE" dirty="0" smtClean="0"/>
+              <a:t>Funktionstüchtig:</a:t>
+            </a:r>
+          </a:p>
+          <a:p>
             <a:pPr marL="285750" indent="-285750">
               <a:buFont typeface="Arial" panose="020B0604020202020204" pitchFamily="34" charset="0"/>
               <a:buChar char="•"/>
             </a:pPr>
             <a:r>
               <a:rPr lang="de-DE" dirty="0" smtClean="0"/>
-              <a:t>Ziel einer Zentimetergenauen Positionsbestimmung</a:t>
-            </a:r>
+              <a:t>Zeitsynchronisation</a:t>
+            </a:r>
+            <a:endParaRPr lang="de-DE" dirty="0" smtClean="0"/>
           </a:p>
           <a:p>
             <a:pPr marL="285750" indent="-285750">
@@ -11197,7 +11208,11 @@
             </a:pPr>
             <a:r>
               <a:rPr lang="de-DE" dirty="0" smtClean="0"/>
-              <a:t>Verwendete Hardware</a:t>
+              <a:t>Mathematische </a:t>
+            </a:r>
+            <a:r>
+              <a:rPr lang="de-DE" dirty="0" smtClean="0"/>
+              <a:t>Positionsbestimmung</a:t>
             </a:r>
           </a:p>
           <a:p>
@@ -11206,48 +11221,12 @@
               <a:buChar char="•"/>
             </a:pPr>
             <a:r>
-              <a:rPr lang="de-DE" dirty="0" smtClean="0"/>
-              <a:t>Implementierung</a:t>
-            </a:r>
-          </a:p>
-          <a:p>
-            <a:pPr marL="742950" lvl="1" indent="-285750">
-              <a:buFont typeface="Arial" panose="020B0604020202020204" pitchFamily="34" charset="0"/>
-              <a:buChar char="•"/>
-            </a:pPr>
-            <a:r>
-              <a:rPr lang="de-DE" dirty="0" smtClean="0"/>
-              <a:t>Mathematischen Grundlagen</a:t>
-            </a:r>
-          </a:p>
-          <a:p>
-            <a:pPr marL="742950" lvl="1" indent="-285750">
-              <a:buFont typeface="Arial" panose="020B0604020202020204" pitchFamily="34" charset="0"/>
-              <a:buChar char="•"/>
-            </a:pPr>
-            <a:r>
-              <a:rPr lang="de-DE" dirty="0" smtClean="0"/>
-              <a:t>Hardware</a:t>
-            </a:r>
-          </a:p>
-          <a:p>
-            <a:pPr marL="742950" lvl="1" indent="-285750">
-              <a:buFont typeface="Arial" panose="020B0604020202020204" pitchFamily="34" charset="0"/>
-              <a:buChar char="•"/>
-            </a:pPr>
-            <a:r>
-              <a:rPr lang="de-DE" dirty="0" smtClean="0"/>
-              <a:t>Software</a:t>
-            </a:r>
-          </a:p>
-          <a:p>
-            <a:pPr marL="742950" lvl="1" indent="-285750">
-              <a:buFont typeface="Arial" panose="020B0604020202020204" pitchFamily="34" charset="0"/>
-              <a:buChar char="•"/>
-            </a:pPr>
-            <a:r>
-              <a:rPr lang="de-DE" dirty="0" smtClean="0"/>
-              <a:t>Testszenarien</a:t>
+              <a:rPr lang="de-DE" dirty="0"/>
+              <a:t>Kommunikation Master </a:t>
+            </a:r>
+            <a:r>
+              <a:rPr lang="de-DE" dirty="0" smtClean="0"/>
+              <a:t>– Slave</a:t>
             </a:r>
           </a:p>
           <a:p>
@@ -11257,24 +11236,38 @@
             </a:pPr>
             <a:r>
               <a:rPr lang="de-DE" dirty="0" smtClean="0"/>
-              <a:t>Auswertung</a:t>
-            </a:r>
-          </a:p>
-          <a:p>
-            <a:pPr marL="742950" lvl="1" indent="-285750">
-              <a:buFont typeface="Arial" panose="020B0604020202020204" pitchFamily="34" charset="0"/>
-              <a:buChar char="•"/>
-            </a:pPr>
-            <a:endParaRPr lang="de-DE" dirty="0" smtClean="0"/>
+              <a:t>Praktische Positionsbestimmung mit Fehlern</a:t>
+            </a:r>
           </a:p>
           <a:p>
             <a:pPr marL="285750" indent="-285750">
               <a:buFont typeface="Arial" panose="020B0604020202020204" pitchFamily="34" charset="0"/>
               <a:buChar char="•"/>
             </a:pPr>
-            <a:r>
-              <a:rPr lang="de-DE" dirty="0" smtClean="0"/>
-              <a:t>Praktische Durchführung</a:t>
+            <a:endParaRPr lang="de-DE" dirty="0"/>
+          </a:p>
+          <a:p>
+            <a:r>
+              <a:rPr lang="de-DE" dirty="0" smtClean="0"/>
+              <a:t>Verbesserungen:</a:t>
+            </a:r>
+          </a:p>
+          <a:p>
+            <a:pPr marL="285750" indent="-285750">
+              <a:buFont typeface="Arial" panose="020B0604020202020204" pitchFamily="34" charset="0"/>
+              <a:buChar char="•"/>
+            </a:pPr>
+            <a:r>
+              <a:rPr lang="de-DE" dirty="0" smtClean="0"/>
+              <a:t>Messung – Sound </a:t>
+            </a:r>
+            <a:r>
+              <a:rPr lang="de-DE" dirty="0" err="1" smtClean="0"/>
+              <a:t>Detector</a:t>
+            </a:r>
+            <a:r>
+              <a:rPr lang="de-DE" dirty="0" smtClean="0"/>
+              <a:t> / Lautsprecher</a:t>
             </a:r>
           </a:p>
         </p:txBody>
@@ -11282,7 +11275,7 @@
     </p:spTree>
     <p:extLst>
       <p:ext uri="{BB962C8B-B14F-4D97-AF65-F5344CB8AC3E}">
-        <p14:creationId xmlns:p14="http://schemas.microsoft.com/office/powerpoint/2010/main" val="3403779168"/>
+        <p14:creationId xmlns:p14="http://schemas.microsoft.com/office/powerpoint/2010/main" val="518507443"/>
       </p:ext>
     </p:extLst>
   </p:cSld>
@@ -11384,7 +11377,6 @@
               <a:rPr lang="de-DE" dirty="0"/>
               <a:t> Arrival</a:t>
             </a:r>
-            <a:endParaRPr lang="de-DE" dirty="0"/>
           </a:p>
         </p:txBody>
       </p:sp>
@@ -11405,7 +11397,7 @@
           <a:p>
             <a:fld id="{0AB88BE9-527A-4EE8-B68E-73F71DBEB556}" type="datetime1">
               <a:rPr lang="de-DE" smtClean="0"/>
-              <a:t>25.11.2019</a:t>
+              <a:t>26.11.2019</a:t>
             </a:fld>
             <a:endParaRPr lang="de-DE" dirty="0"/>
           </a:p>
@@ -11715,7 +11707,6 @@
               <a:rPr lang="de-DE" dirty="0"/>
               <a:t> Arrival</a:t>
             </a:r>
-            <a:endParaRPr lang="de-DE" dirty="0"/>
           </a:p>
         </p:txBody>
       </p:sp>
@@ -11736,7 +11727,7 @@
           <a:p>
             <a:fld id="{0AB88BE9-527A-4EE8-B68E-73F71DBEB556}" type="datetime1">
               <a:rPr lang="de-DE" smtClean="0"/>
-              <a:t>25.11.2019</a:t>
+              <a:t>26.11.2019</a:t>
             </a:fld>
             <a:endParaRPr lang="de-DE" dirty="0"/>
           </a:p>
@@ -11779,7 +11770,7 @@
         <p:spPr>
           <a:xfrm>
             <a:off x="683568" y="1273791"/>
-            <a:ext cx="6210672" cy="3416320"/>
+            <a:ext cx="6210672" cy="3139321"/>
           </a:xfrm>
           <a:prstGeom prst="rect">
             <a:avLst/>
@@ -11810,6 +11801,7 @@
               <a:rPr lang="de-DE" dirty="0" smtClean="0"/>
               <a:t>Grundlagen</a:t>
             </a:r>
+            <a:endParaRPr lang="de-DE" dirty="0" smtClean="0"/>
           </a:p>
           <a:p>
             <a:pPr marL="285750" indent="-285750">
@@ -11822,6 +11814,17 @@
             </a:r>
           </a:p>
           <a:p>
+            <a:pPr marL="742950" lvl="2" indent="-285750">
+              <a:buFont typeface="Arial" panose="020B0604020202020204" pitchFamily="34" charset="0"/>
+              <a:buChar char="•"/>
+            </a:pPr>
+            <a:r>
+              <a:rPr lang="de-DE" dirty="0" smtClean="0"/>
+              <a:t>Zeitsynchronisation</a:t>
+            </a:r>
+            <a:endParaRPr lang="de-DE" dirty="0" smtClean="0"/>
+          </a:p>
+          <a:p>
             <a:pPr marL="742950" lvl="1" indent="-285750">
               <a:buFont typeface="Arial" panose="020B0604020202020204" pitchFamily="34" charset="0"/>
               <a:buChar char="•"/>
@@ -11838,23 +11841,19 @@
             </a:pPr>
             <a:r>
               <a:rPr lang="de-DE" dirty="0" smtClean="0"/>
-              <a:t>Zeitsynchronisation</a:t>
-            </a:r>
-          </a:p>
-          <a:p>
-            <a:pPr marL="742950" lvl="1" indent="-285750">
-              <a:buFont typeface="Arial" panose="020B0604020202020204" pitchFamily="34" charset="0"/>
-              <a:buChar char="•"/>
-            </a:pPr>
-            <a:r>
-              <a:rPr lang="de-DE" dirty="0" smtClean="0"/>
               <a:t>Software</a:t>
             </a:r>
             <a:r>
               <a:rPr lang="de-DE" dirty="0" smtClean="0">
                 <a:sym typeface="Wingdings" panose="05000000000000000000" pitchFamily="2" charset="2"/>
               </a:rPr>
-              <a:t>  welche schritte macht die </a:t>
+              <a:t> </a:t>
+            </a:r>
+            <a:r>
+              <a:rPr lang="de-DE" dirty="0" smtClean="0">
+                <a:sym typeface="Wingdings" panose="05000000000000000000" pitchFamily="2" charset="2"/>
+              </a:rPr>
+              <a:t> welche schritte macht die </a:t>
             </a:r>
             <a:r>
               <a:rPr lang="de-DE" dirty="0" err="1" smtClean="0">
@@ -11874,36 +11873,9 @@
               </a:rPr>
               <a:t>positionsbestimmung</a:t>
             </a:r>
-            <a:endParaRPr lang="de-DE" dirty="0" smtClean="0"/>
-          </a:p>
-          <a:p>
-            <a:pPr lvl="1"/>
-            <a:endParaRPr lang="de-DE" dirty="0" smtClean="0"/>
-          </a:p>
-          <a:p>
-            <a:pPr marL="285750" indent="-285750">
-              <a:buFont typeface="Arial" panose="020B0604020202020204" pitchFamily="34" charset="0"/>
-              <a:buChar char="•"/>
-            </a:pPr>
-            <a:r>
-              <a:rPr lang="de-DE" dirty="0" smtClean="0"/>
-              <a:t>Auswertung</a:t>
-            </a:r>
-          </a:p>
-          <a:p>
-            <a:pPr marL="742950" lvl="1" indent="-285750">
-              <a:buFont typeface="Arial" panose="020B0604020202020204" pitchFamily="34" charset="0"/>
-              <a:buChar char="•"/>
-            </a:pPr>
-            <a:r>
-              <a:rPr lang="de-DE" dirty="0" smtClean="0"/>
-              <a:t>Unit </a:t>
-            </a:r>
-            <a:r>
-              <a:rPr lang="de-DE" dirty="0" err="1" smtClean="0"/>
-              <a:t>tests</a:t>
-            </a:r>
-            <a:endParaRPr lang="de-DE" dirty="0" smtClean="0"/>
+            <a:endParaRPr lang="de-DE" dirty="0" smtClean="0">
+              <a:sym typeface="Wingdings" panose="05000000000000000000" pitchFamily="2" charset="2"/>
+            </a:endParaRPr>
           </a:p>
           <a:p>
             <a:pPr marL="742950" lvl="1" indent="-285750">
@@ -11919,8 +11891,33 @@
             </a:pPr>
             <a:r>
               <a:rPr lang="de-DE" dirty="0" smtClean="0"/>
-              <a:t>Praktische Durchführung</a:t>
-            </a:r>
+              <a:t>Auswertung</a:t>
+            </a:r>
+          </a:p>
+          <a:p>
+            <a:pPr marL="742950" lvl="1" indent="-285750">
+              <a:buFont typeface="Arial" panose="020B0604020202020204" pitchFamily="34" charset="0"/>
+              <a:buChar char="•"/>
+            </a:pPr>
+            <a:r>
+              <a:rPr lang="de-DE" dirty="0" smtClean="0"/>
+              <a:t>Unit </a:t>
+            </a:r>
+            <a:r>
+              <a:rPr lang="de-DE" dirty="0" err="1" smtClean="0"/>
+              <a:t>tests</a:t>
+            </a:r>
+            <a:r>
+              <a:rPr lang="de-DE" dirty="0" smtClean="0"/>
+              <a:t> </a:t>
+            </a:r>
+            <a:r>
+              <a:rPr lang="de-DE" dirty="0" smtClean="0">
+                <a:sym typeface="Wingdings" panose="05000000000000000000" pitchFamily="2" charset="2"/>
+              </a:rPr>
+              <a:t> Vielleicht mit in die Implementierung Software nehmen</a:t>
+            </a:r>
+            <a:endParaRPr lang="de-DE" dirty="0" smtClean="0"/>
           </a:p>
         </p:txBody>
       </p:sp>
@@ -12029,7 +12026,6 @@
               <a:rPr lang="de-DE" dirty="0"/>
               <a:t> Arrival</a:t>
             </a:r>
-            <a:endParaRPr lang="de-DE" dirty="0"/>
           </a:p>
         </p:txBody>
       </p:sp>
@@ -12050,7 +12046,7 @@
           <a:p>
             <a:fld id="{0AB88BE9-527A-4EE8-B68E-73F71DBEB556}" type="datetime1">
               <a:rPr lang="de-DE" smtClean="0"/>
-              <a:t>25.11.2019</a:t>
+              <a:t>26.11.2019</a:t>
             </a:fld>
             <a:endParaRPr lang="de-DE" dirty="0"/>
           </a:p>
@@ -12321,7 +12317,6 @@
               <a:rPr lang="de-DE" dirty="0"/>
               <a:t>– Master /Slave </a:t>
             </a:r>
-            <a:endParaRPr lang="de-DE" dirty="0"/>
           </a:p>
         </p:txBody>
       </p:sp>
@@ -12365,7 +12360,6 @@
               <a:rPr lang="de-DE" dirty="0"/>
               <a:t> Arrival</a:t>
             </a:r>
-            <a:endParaRPr lang="de-DE" dirty="0"/>
           </a:p>
         </p:txBody>
       </p:sp>
@@ -12386,7 +12380,7 @@
           <a:p>
             <a:fld id="{0AB88BE9-527A-4EE8-B68E-73F71DBEB556}" type="datetime1">
               <a:rPr lang="de-DE" smtClean="0"/>
-              <a:t>25.11.2019</a:t>
+              <a:t>26.11.2019</a:t>
             </a:fld>
             <a:endParaRPr lang="de-DE" dirty="0"/>
           </a:p>
@@ -12429,7 +12423,7 @@
         <p:spPr>
           <a:xfrm>
             <a:off x="683568" y="1273791"/>
-            <a:ext cx="8460432" cy="5909310"/>
+            <a:ext cx="8460432" cy="3416320"/>
           </a:xfrm>
           <a:prstGeom prst="rect">
             <a:avLst/>
@@ -12526,16 +12520,8 @@
             </a:pPr>
             <a:r>
               <a:rPr lang="de-DE" dirty="0" smtClean="0"/>
-              <a:t>Ist mit </a:t>
-            </a:r>
-            <a:r>
-              <a:rPr lang="de-DE" smtClean="0"/>
-              <a:t>SAMR21 kompatibel</a:t>
-            </a:r>
-            <a:endParaRPr lang="de-DE" dirty="0" smtClean="0"/>
-          </a:p>
-          <a:p>
-            <a:endParaRPr lang="de-DE" dirty="0"/>
+              <a:t>Ist mit SAMR21 kompatibel</a:t>
+            </a:r>
           </a:p>
           <a:p>
             <a:endParaRPr lang="de-DE" dirty="0" smtClean="0"/>
@@ -12609,84 +12595,12 @@
             </a:pPr>
             <a:r>
               <a:rPr lang="de-DE" dirty="0" smtClean="0"/>
-              <a:t>Integrierbarkeit in vorhandene Systeme</a:t>
-            </a:r>
-          </a:p>
-          <a:p>
-            <a:pPr marL="742950" lvl="2" indent="-285750">
-              <a:buFont typeface="Wingdings" panose="05000000000000000000" pitchFamily="2" charset="2"/>
-              <a:buChar char="Ø"/>
-            </a:pPr>
-            <a:endParaRPr lang="de-DE" dirty="0"/>
-          </a:p>
-          <a:p>
-            <a:pPr marL="285750" indent="-285750">
-              <a:buFont typeface="Arial" panose="020B0604020202020204" pitchFamily="34" charset="0"/>
-              <a:buChar char="•"/>
-            </a:pPr>
-            <a:r>
-              <a:rPr lang="de-DE" dirty="0" err="1" smtClean="0"/>
-              <a:t>SparkFun</a:t>
-            </a:r>
-            <a:r>
-              <a:rPr lang="de-DE" dirty="0" smtClean="0"/>
-              <a:t> Sound </a:t>
-            </a:r>
-            <a:r>
-              <a:rPr lang="de-DE" dirty="0" err="1" smtClean="0"/>
-              <a:t>Detector</a:t>
-            </a:r>
-            <a:endParaRPr lang="de-DE" dirty="0" smtClean="0"/>
-          </a:p>
-          <a:p>
-            <a:pPr marL="742950" lvl="1" indent="-285750">
-              <a:buFont typeface="Wingdings" panose="05000000000000000000" pitchFamily="2" charset="2"/>
-              <a:buChar char="Ø"/>
-            </a:pPr>
-            <a:r>
-              <a:rPr lang="de-DE" dirty="0" smtClean="0"/>
-              <a:t>Detektion von Hörbarem Schall</a:t>
-            </a:r>
-          </a:p>
-          <a:p>
-            <a:pPr marL="742950" lvl="1" indent="-285750">
-              <a:buFont typeface="Wingdings" panose="05000000000000000000" pitchFamily="2" charset="2"/>
-              <a:buChar char="Ø"/>
-            </a:pPr>
-            <a:r>
-              <a:rPr lang="de-DE" dirty="0" smtClean="0"/>
-              <a:t>TTL – Ausgang </a:t>
-            </a:r>
-          </a:p>
-          <a:p>
-            <a:pPr marL="742950" lvl="1" indent="-285750">
-              <a:buFont typeface="Wingdings" panose="05000000000000000000" pitchFamily="2" charset="2"/>
-              <a:buChar char="Ø"/>
-            </a:pPr>
-            <a:r>
-              <a:rPr lang="de-DE" dirty="0" smtClean="0"/>
-              <a:t>Veränderbare Empfindlichkeit</a:t>
-            </a:r>
-          </a:p>
-          <a:p>
-            <a:pPr marL="742950" lvl="1" indent="-285750">
-              <a:buFont typeface="Arial" panose="020B0604020202020204" pitchFamily="34" charset="0"/>
-              <a:buChar char="•"/>
-            </a:pPr>
-            <a:endParaRPr lang="de-DE" dirty="0" smtClean="0"/>
-          </a:p>
-          <a:p>
-            <a:pPr marL="742950" lvl="1" indent="-285750">
-              <a:buFont typeface="Arial" panose="020B0604020202020204" pitchFamily="34" charset="0"/>
-              <a:buChar char="•"/>
-            </a:pPr>
-            <a:endParaRPr lang="de-DE" dirty="0" smtClean="0"/>
-          </a:p>
-          <a:p>
-            <a:pPr marL="742950" lvl="1" indent="-285750">
-              <a:buFont typeface="Arial" panose="020B0604020202020204" pitchFamily="34" charset="0"/>
-              <a:buChar char="•"/>
-            </a:pPr>
+              <a:t>Integrierbarkeit in vorhandene </a:t>
+            </a:r>
+            <a:r>
+              <a:rPr lang="de-DE" dirty="0" smtClean="0"/>
+              <a:t>Systeme</a:t>
+            </a:r>
             <a:endParaRPr lang="de-DE" dirty="0"/>
           </a:p>
         </p:txBody>
@@ -12756,7 +12670,6 @@
               <a:rPr lang="de-DE" dirty="0"/>
               <a:t>– Master /Slave </a:t>
             </a:r>
-            <a:endParaRPr lang="de-DE" dirty="0"/>
           </a:p>
         </p:txBody>
       </p:sp>
@@ -12800,7 +12713,6 @@
               <a:rPr lang="de-DE" dirty="0"/>
               <a:t> Arrival</a:t>
             </a:r>
-            <a:endParaRPr lang="de-DE" dirty="0"/>
           </a:p>
         </p:txBody>
       </p:sp>
@@ -12821,7 +12733,7 @@
           <a:p>
             <a:fld id="{0AB88BE9-527A-4EE8-B68E-73F71DBEB556}" type="datetime1">
               <a:rPr lang="de-DE" smtClean="0"/>
-              <a:t>25.11.2019</a:t>
+              <a:t>26.11.2019</a:t>
             </a:fld>
             <a:endParaRPr lang="de-DE" dirty="0"/>
           </a:p>
@@ -12864,7 +12776,7 @@
         <p:spPr>
           <a:xfrm>
             <a:off x="683568" y="1273791"/>
-            <a:ext cx="8460432" cy="1477328"/>
+            <a:ext cx="8460432" cy="2862322"/>
           </a:xfrm>
           <a:prstGeom prst="rect">
             <a:avLst/>
@@ -12877,16 +12789,77 @@
           </a:bodyPr>
           <a:lstStyle/>
           <a:p>
+            <a:pPr marL="285750" indent="-285750">
+              <a:buFont typeface="Arial" panose="020B0604020202020204" pitchFamily="34" charset="0"/>
+              <a:buChar char="•"/>
+            </a:pPr>
+            <a:r>
+              <a:rPr lang="de-DE" dirty="0" err="1"/>
+              <a:t>SparkFun</a:t>
+            </a:r>
+            <a:r>
+              <a:rPr lang="de-DE" dirty="0"/>
+              <a:t> Sound </a:t>
+            </a:r>
+            <a:r>
+              <a:rPr lang="de-DE" dirty="0" err="1"/>
+              <a:t>Detector</a:t>
+            </a:r>
+            <a:endParaRPr lang="de-DE" dirty="0"/>
+          </a:p>
+          <a:p>
+            <a:pPr marL="742950" lvl="1" indent="-285750">
+              <a:buFont typeface="Wingdings" panose="05000000000000000000" pitchFamily="2" charset="2"/>
+              <a:buChar char="Ø"/>
+            </a:pPr>
+            <a:r>
+              <a:rPr lang="de-DE" dirty="0"/>
+              <a:t>Detektion von Hörbarem Schall</a:t>
+            </a:r>
+          </a:p>
+          <a:p>
+            <a:pPr marL="742950" lvl="1" indent="-285750">
+              <a:buFont typeface="Wingdings" panose="05000000000000000000" pitchFamily="2" charset="2"/>
+              <a:buChar char="Ø"/>
+            </a:pPr>
+            <a:r>
+              <a:rPr lang="de-DE" dirty="0"/>
+              <a:t>TTL – Ausgang </a:t>
+            </a:r>
+          </a:p>
+          <a:p>
+            <a:pPr marL="742950" lvl="1" indent="-285750">
+              <a:buFont typeface="Wingdings" panose="05000000000000000000" pitchFamily="2" charset="2"/>
+              <a:buChar char="Ø"/>
+            </a:pPr>
+            <a:r>
+              <a:rPr lang="de-DE" dirty="0"/>
+              <a:t>Veränderbare Empfindlichkeit</a:t>
+            </a:r>
+          </a:p>
+          <a:p>
             <a:pPr marL="285750" lvl="1" indent="-285750">
               <a:buFont typeface="Arial" panose="020B0604020202020204" pitchFamily="34" charset="0"/>
               <a:buChar char="•"/>
             </a:pPr>
+            <a:endParaRPr lang="de-DE" dirty="0" smtClean="0">
+              <a:sym typeface="Wingdings" panose="05000000000000000000" pitchFamily="2" charset="2"/>
+            </a:endParaRPr>
+          </a:p>
+          <a:p>
+            <a:pPr marL="285750" lvl="1" indent="-285750">
+              <a:buFont typeface="Arial" panose="020B0604020202020204" pitchFamily="34" charset="0"/>
+              <a:buChar char="•"/>
+            </a:pPr>
             <a:r>
               <a:rPr lang="de-DE" dirty="0" smtClean="0">
                 <a:sym typeface="Wingdings" panose="05000000000000000000" pitchFamily="2" charset="2"/>
               </a:rPr>
               <a:t>Lautsprecher </a:t>
             </a:r>
+            <a:endParaRPr lang="de-DE" dirty="0" smtClean="0">
+              <a:sym typeface="Wingdings" panose="05000000000000000000" pitchFamily="2" charset="2"/>
+            </a:endParaRPr>
           </a:p>
           <a:p>
             <a:pPr marL="742950" lvl="2" indent="-285750">
@@ -13108,7 +13081,6 @@
               <a:rPr lang="de-DE" dirty="0"/>
               <a:t> Arrival</a:t>
             </a:r>
-            <a:endParaRPr lang="de-DE" dirty="0"/>
           </a:p>
         </p:txBody>
       </p:sp>
@@ -13129,7 +13101,7 @@
           <a:p>
             <a:fld id="{0AB88BE9-527A-4EE8-B68E-73F71DBEB556}" type="datetime1">
               <a:rPr lang="de-DE" smtClean="0"/>
-              <a:t>25.11.2019</a:t>
+              <a:t>26.11.2019</a:t>
             </a:fld>
             <a:endParaRPr lang="de-DE" dirty="0"/>
           </a:p>
@@ -13305,7 +13277,6 @@
               <a:rPr lang="de-DE" dirty="0"/>
               <a:t> Arrival</a:t>
             </a:r>
-            <a:endParaRPr lang="de-DE" dirty="0"/>
           </a:p>
         </p:txBody>
       </p:sp>
@@ -13326,7 +13297,7 @@
           <a:p>
             <a:fld id="{0AB88BE9-527A-4EE8-B68E-73F71DBEB556}" type="datetime1">
               <a:rPr lang="de-DE" smtClean="0"/>
-              <a:t>25.11.2019</a:t>
+              <a:t>26.11.2019</a:t>
             </a:fld>
             <a:endParaRPr lang="de-DE" dirty="0"/>
           </a:p>
@@ -13625,7 +13596,6 @@
               <a:rPr lang="de-DE" dirty="0"/>
               <a:t> Arrival</a:t>
             </a:r>
-            <a:endParaRPr lang="de-DE" dirty="0"/>
           </a:p>
         </p:txBody>
       </p:sp>
@@ -13646,7 +13616,7 @@
           <a:p>
             <a:fld id="{0AB88BE9-527A-4EE8-B68E-73F71DBEB556}" type="datetime1">
               <a:rPr lang="de-DE" smtClean="0"/>
-              <a:t>25.11.2019</a:t>
+              <a:t>26.11.2019</a:t>
             </a:fld>
             <a:endParaRPr lang="de-DE" dirty="0"/>
           </a:p>
@@ -13947,7 +13917,6 @@
               <a:rPr lang="de-DE" dirty="0"/>
               <a:t> Arrival</a:t>
             </a:r>
-            <a:endParaRPr lang="de-DE" dirty="0"/>
           </a:p>
         </p:txBody>
       </p:sp>
@@ -13968,7 +13937,7 @@
           <a:p>
             <a:fld id="{0AB88BE9-527A-4EE8-B68E-73F71DBEB556}" type="datetime1">
               <a:rPr lang="de-DE" smtClean="0"/>
-              <a:t>25.11.2019</a:t>
+              <a:t>26.11.2019</a:t>
             </a:fld>
             <a:endParaRPr lang="de-DE" dirty="0"/>
           </a:p>
@@ -14011,7 +13980,7 @@
         <p:spPr>
           <a:xfrm>
             <a:off x="683568" y="1273791"/>
-            <a:ext cx="8460432" cy="2031325"/>
+            <a:ext cx="8460432" cy="2585323"/>
           </a:xfrm>
           <a:prstGeom prst="rect">
             <a:avLst/>
@@ -14033,8 +14002,29 @@
             </a:pPr>
             <a:r>
               <a:rPr lang="de-DE" dirty="0" smtClean="0"/>
-              <a:t>Methode zur Positionsbestimmung</a:t>
-            </a:r>
+              <a:t>Verfahren zur Laufzeitmessung</a:t>
+            </a:r>
+          </a:p>
+          <a:p>
+            <a:pPr marL="285750" indent="-285750">
+              <a:buFont typeface="Arial" panose="020B0604020202020204" pitchFamily="34" charset="0"/>
+              <a:buChar char="•"/>
+            </a:pPr>
+            <a:r>
+              <a:rPr lang="de-DE" dirty="0" smtClean="0"/>
+              <a:t>Laufzeitunterschied von zwei Zeitstempel</a:t>
+            </a:r>
+          </a:p>
+          <a:p>
+            <a:pPr marL="285750" indent="-285750">
+              <a:buFont typeface="Arial" panose="020B0604020202020204" pitchFamily="34" charset="0"/>
+              <a:buChar char="•"/>
+            </a:pPr>
+            <a:r>
+              <a:rPr lang="de-DE" dirty="0" smtClean="0"/>
+              <a:t>Art des Signals ist irrelevant</a:t>
+            </a:r>
+            <a:endParaRPr lang="de-DE" dirty="0" smtClean="0"/>
           </a:p>
           <a:p>
             <a:pPr marL="285750" indent="-285750">
@@ -14073,6 +14063,505 @@
           </a:p>
         </p:txBody>
       </p:sp>
+      <p:pic>
+        <p:nvPicPr>
+          <p:cNvPr id="5" name="Grafik 4"/>
+          <p:cNvPicPr>
+            <a:picLocks noChangeAspect="1"/>
+          </p:cNvPicPr>
+          <p:nvPr/>
+        </p:nvPicPr>
+        <p:blipFill>
+          <a:blip r:embed="rId2" cstate="print">
+            <a:extLst>
+              <a:ext uri="{28A0092B-C50C-407E-A947-70E740481C1C}">
+                <a14:useLocalDpi xmlns:a14="http://schemas.microsoft.com/office/drawing/2010/main" val="0"/>
+              </a:ext>
+            </a:extLst>
+          </a:blip>
+          <a:stretch>
+            <a:fillRect/>
+          </a:stretch>
+        </p:blipFill>
+        <p:spPr>
+          <a:xfrm>
+            <a:off x="683568" y="3147814"/>
+            <a:ext cx="1550527" cy="997517"/>
+          </a:xfrm>
+          <a:prstGeom prst="rect">
+            <a:avLst/>
+          </a:prstGeom>
+        </p:spPr>
+      </p:pic>
+      <p:pic>
+        <p:nvPicPr>
+          <p:cNvPr id="9" name="Grafik 8"/>
+          <p:cNvPicPr>
+            <a:picLocks noChangeAspect="1"/>
+          </p:cNvPicPr>
+          <p:nvPr/>
+        </p:nvPicPr>
+        <p:blipFill>
+          <a:blip r:embed="rId2" cstate="print">
+            <a:extLst>
+              <a:ext uri="{28A0092B-C50C-407E-A947-70E740481C1C}">
+                <a14:useLocalDpi xmlns:a14="http://schemas.microsoft.com/office/drawing/2010/main" val="0"/>
+              </a:ext>
+            </a:extLst>
+          </a:blip>
+          <a:stretch>
+            <a:fillRect/>
+          </a:stretch>
+        </p:blipFill>
+        <p:spPr>
+          <a:xfrm>
+            <a:off x="6261832" y="3143986"/>
+            <a:ext cx="1550527" cy="997517"/>
+          </a:xfrm>
+          <a:prstGeom prst="rect">
+            <a:avLst/>
+          </a:prstGeom>
+        </p:spPr>
+      </p:pic>
+      <p:cxnSp>
+        <p:nvCxnSpPr>
+          <p:cNvPr id="22" name="Gerade Verbindung mit Pfeil 21"/>
+          <p:cNvCxnSpPr/>
+          <p:nvPr/>
+        </p:nvCxnSpPr>
+        <p:spPr>
+          <a:xfrm>
+            <a:off x="2416299" y="3291830"/>
+            <a:ext cx="3706057" cy="0"/>
+          </a:xfrm>
+          <a:prstGeom prst="straightConnector1">
+            <a:avLst/>
+          </a:prstGeom>
+          <a:ln>
+            <a:tailEnd type="triangle"/>
+          </a:ln>
+          <a:effectLst/>
+        </p:spPr>
+        <p:style>
+          <a:lnRef idx="3">
+            <a:schemeClr val="dk1"/>
+          </a:lnRef>
+          <a:fillRef idx="0">
+            <a:schemeClr val="dk1"/>
+          </a:fillRef>
+          <a:effectRef idx="2">
+            <a:schemeClr val="dk1"/>
+          </a:effectRef>
+          <a:fontRef idx="minor">
+            <a:schemeClr val="tx1"/>
+          </a:fontRef>
+        </p:style>
+      </p:cxnSp>
+      <p:cxnSp>
+        <p:nvCxnSpPr>
+          <p:cNvPr id="25" name="Gerade Verbindung mit Pfeil 24"/>
+          <p:cNvCxnSpPr/>
+          <p:nvPr/>
+        </p:nvCxnSpPr>
+        <p:spPr>
+          <a:xfrm flipH="1" flipV="1">
+            <a:off x="2399486" y="3858117"/>
+            <a:ext cx="3696955" cy="8384"/>
+          </a:xfrm>
+          <a:prstGeom prst="straightConnector1">
+            <a:avLst/>
+          </a:prstGeom>
+          <a:ln>
+            <a:tailEnd type="triangle"/>
+          </a:ln>
+          <a:effectLst/>
+        </p:spPr>
+        <p:style>
+          <a:lnRef idx="3">
+            <a:schemeClr val="dk1"/>
+          </a:lnRef>
+          <a:fillRef idx="0">
+            <a:schemeClr val="dk1"/>
+          </a:fillRef>
+          <a:effectRef idx="2">
+            <a:schemeClr val="dk1"/>
+          </a:effectRef>
+          <a:fontRef idx="minor">
+            <a:schemeClr val="tx1"/>
+          </a:fontRef>
+        </p:style>
+      </p:cxnSp>
+      <mc:AlternateContent xmlns:mc="http://schemas.openxmlformats.org/markup-compatibility/2006">
+        <mc:Choice xmlns:a14="http://schemas.microsoft.com/office/drawing/2010/main" Requires="a14">
+          <p:sp>
+            <p:nvSpPr>
+              <p:cNvPr id="28" name="Textfeld 27"/>
+              <p:cNvSpPr txBox="1"/>
+              <p:nvPr/>
+            </p:nvSpPr>
+            <p:spPr>
+              <a:xfrm>
+                <a:off x="2056259" y="2895818"/>
+                <a:ext cx="360040" cy="369332"/>
+              </a:xfrm>
+              <a:prstGeom prst="rect">
+                <a:avLst/>
+              </a:prstGeom>
+              <a:noFill/>
+            </p:spPr>
+            <p:txBody>
+              <a:bodyPr wrap="square" rtlCol="0">
+                <a:spAutoFit/>
+              </a:bodyPr>
+              <a:lstStyle/>
+              <a:p>
+                <a14:m>
+                  <m:oMathPara xmlns:m="http://schemas.openxmlformats.org/officeDocument/2006/math">
+                    <m:oMathParaPr>
+                      <m:jc m:val="centerGroup"/>
+                    </m:oMathParaPr>
+                    <m:oMath xmlns:m="http://schemas.openxmlformats.org/officeDocument/2006/math">
+                      <m:sSub>
+                        <m:sSubPr>
+                          <m:ctrlPr>
+                            <a:rPr lang="de-DE" i="1" smtClean="0">
+                              <a:latin typeface="Cambria Math" panose="02040503050406030204" pitchFamily="18" charset="0"/>
+                            </a:rPr>
+                          </m:ctrlPr>
+                        </m:sSubPr>
+                        <m:e>
+                          <m:r>
+                            <a:rPr lang="de-DE" b="0" i="1" smtClean="0">
+                              <a:latin typeface="Cambria Math" panose="02040503050406030204" pitchFamily="18" charset="0"/>
+                            </a:rPr>
+                            <m:t>𝑡</m:t>
+                          </m:r>
+                        </m:e>
+                        <m:sub>
+                          <m:r>
+                            <a:rPr lang="de-DE" b="0" i="1" smtClean="0">
+                              <a:latin typeface="Cambria Math" panose="02040503050406030204" pitchFamily="18" charset="0"/>
+                            </a:rPr>
+                            <m:t>0</m:t>
+                          </m:r>
+                        </m:sub>
+                      </m:sSub>
+                    </m:oMath>
+                  </m:oMathPara>
+                </a14:m>
+                <a:endParaRPr lang="de-DE" dirty="0"/>
+              </a:p>
+            </p:txBody>
+          </p:sp>
+        </mc:Choice>
+        <mc:Fallback>
+          <p:sp>
+            <p:nvSpPr>
+              <p:cNvPr id="28" name="Textfeld 27"/>
+              <p:cNvSpPr txBox="1">
+                <a:spLocks noRot="1" noChangeAspect="1" noMove="1" noResize="1" noEditPoints="1" noAdjustHandles="1" noChangeArrowheads="1" noChangeShapeType="1" noTextEdit="1"/>
+              </p:cNvSpPr>
+              <p:nvPr/>
+            </p:nvSpPr>
+            <p:spPr>
+              <a:xfrm>
+                <a:off x="2056259" y="2895818"/>
+                <a:ext cx="360040" cy="369332"/>
+              </a:xfrm>
+              <a:prstGeom prst="rect">
+                <a:avLst/>
+              </a:prstGeom>
+              <a:blipFill>
+                <a:blip r:embed="rId3"/>
+                <a:stretch>
+                  <a:fillRect b="-1639"/>
+                </a:stretch>
+              </a:blipFill>
+            </p:spPr>
+            <p:txBody>
+              <a:bodyPr/>
+              <a:lstStyle/>
+              <a:p>
+                <a:r>
+                  <a:rPr lang="de-DE">
+                    <a:noFill/>
+                  </a:rPr>
+                  <a:t> </a:t>
+                </a:r>
+              </a:p>
+            </p:txBody>
+          </p:sp>
+        </mc:Fallback>
+      </mc:AlternateContent>
+      <mc:AlternateContent xmlns:mc="http://schemas.openxmlformats.org/markup-compatibility/2006">
+        <mc:Choice xmlns:a14="http://schemas.microsoft.com/office/drawing/2010/main" Requires="a14">
+          <p:sp>
+            <p:nvSpPr>
+              <p:cNvPr id="29" name="Textfeld 28"/>
+              <p:cNvSpPr txBox="1"/>
+              <p:nvPr/>
+            </p:nvSpPr>
+            <p:spPr>
+              <a:xfrm>
+                <a:off x="2154000" y="3841689"/>
+                <a:ext cx="360040" cy="369332"/>
+              </a:xfrm>
+              <a:prstGeom prst="rect">
+                <a:avLst/>
+              </a:prstGeom>
+              <a:noFill/>
+            </p:spPr>
+            <p:txBody>
+              <a:bodyPr wrap="square" rtlCol="0">
+                <a:spAutoFit/>
+              </a:bodyPr>
+              <a:lstStyle/>
+              <a:p>
+                <a14:m>
+                  <m:oMathPara xmlns:m="http://schemas.openxmlformats.org/officeDocument/2006/math">
+                    <m:oMathParaPr>
+                      <m:jc m:val="centerGroup"/>
+                    </m:oMathParaPr>
+                    <m:oMath xmlns:m="http://schemas.openxmlformats.org/officeDocument/2006/math">
+                      <m:sSub>
+                        <m:sSubPr>
+                          <m:ctrlPr>
+                            <a:rPr lang="de-DE" i="1" smtClean="0">
+                              <a:latin typeface="Cambria Math" panose="02040503050406030204" pitchFamily="18" charset="0"/>
+                            </a:rPr>
+                          </m:ctrlPr>
+                        </m:sSubPr>
+                        <m:e>
+                          <m:r>
+                            <a:rPr lang="de-DE" b="0" i="1" smtClean="0">
+                              <a:latin typeface="Cambria Math" panose="02040503050406030204" pitchFamily="18" charset="0"/>
+                            </a:rPr>
+                            <m:t>𝑡</m:t>
+                          </m:r>
+                        </m:e>
+                        <m:sub>
+                          <m:r>
+                            <a:rPr lang="de-DE" b="0" i="1" smtClean="0">
+                              <a:latin typeface="Cambria Math" panose="02040503050406030204" pitchFamily="18" charset="0"/>
+                            </a:rPr>
+                            <m:t>1</m:t>
+                          </m:r>
+                        </m:sub>
+                      </m:sSub>
+                    </m:oMath>
+                  </m:oMathPara>
+                </a14:m>
+                <a:endParaRPr lang="de-DE" dirty="0"/>
+              </a:p>
+            </p:txBody>
+          </p:sp>
+        </mc:Choice>
+        <mc:Fallback>
+          <p:sp>
+            <p:nvSpPr>
+              <p:cNvPr id="29" name="Textfeld 28"/>
+              <p:cNvSpPr txBox="1">
+                <a:spLocks noRot="1" noChangeAspect="1" noMove="1" noResize="1" noEditPoints="1" noAdjustHandles="1" noChangeArrowheads="1" noChangeShapeType="1" noTextEdit="1"/>
+              </p:cNvSpPr>
+              <p:nvPr/>
+            </p:nvSpPr>
+            <p:spPr>
+              <a:xfrm>
+                <a:off x="2154000" y="3841689"/>
+                <a:ext cx="360040" cy="369332"/>
+              </a:xfrm>
+              <a:prstGeom prst="rect">
+                <a:avLst/>
+              </a:prstGeom>
+              <a:blipFill>
+                <a:blip r:embed="rId4"/>
+                <a:stretch>
+                  <a:fillRect b="-1639"/>
+                </a:stretch>
+              </a:blipFill>
+            </p:spPr>
+            <p:txBody>
+              <a:bodyPr/>
+              <a:lstStyle/>
+              <a:p>
+                <a:r>
+                  <a:rPr lang="de-DE">
+                    <a:noFill/>
+                  </a:rPr>
+                  <a:t> </a:t>
+                </a:r>
+              </a:p>
+            </p:txBody>
+          </p:sp>
+        </mc:Fallback>
+      </mc:AlternateContent>
+      <mc:AlternateContent xmlns:mc="http://schemas.openxmlformats.org/markup-compatibility/2006">
+        <mc:Choice xmlns:a14="http://schemas.microsoft.com/office/drawing/2010/main" Requires="a14">
+          <p:sp>
+            <p:nvSpPr>
+              <p:cNvPr id="30" name="Textfeld 29"/>
+              <p:cNvSpPr txBox="1"/>
+              <p:nvPr/>
+            </p:nvSpPr>
+            <p:spPr>
+              <a:xfrm>
+                <a:off x="657298" y="4151145"/>
+                <a:ext cx="1496702" cy="391582"/>
+              </a:xfrm>
+              <a:prstGeom prst="rect">
+                <a:avLst/>
+              </a:prstGeom>
+              <a:noFill/>
+            </p:spPr>
+            <p:txBody>
+              <a:bodyPr wrap="square" rtlCol="0">
+                <a:spAutoFit/>
+              </a:bodyPr>
+              <a:lstStyle/>
+              <a:p>
+                <a14:m>
+                  <m:oMath xmlns:m="http://schemas.openxmlformats.org/officeDocument/2006/math">
+                    <m:sSub>
+                      <m:sSubPr>
+                        <m:ctrlPr>
+                          <a:rPr lang="de-DE" i="1" smtClean="0">
+                            <a:latin typeface="Cambria Math" panose="02040503050406030204" pitchFamily="18" charset="0"/>
+                          </a:rPr>
+                        </m:ctrlPr>
+                      </m:sSubPr>
+                      <m:e>
+                        <m:r>
+                          <a:rPr lang="de-DE" i="1">
+                            <a:latin typeface="Cambria Math" panose="02040503050406030204" pitchFamily="18" charset="0"/>
+                          </a:rPr>
+                          <m:t>𝑡</m:t>
+                        </m:r>
+                      </m:e>
+                      <m:sub>
+                        <m:r>
+                          <a:rPr lang="de-DE" b="0" i="1" smtClean="0">
+                            <a:latin typeface="Cambria Math" panose="02040503050406030204" pitchFamily="18" charset="0"/>
+                          </a:rPr>
+                          <m:t>𝑑𝑖𝑓𝑓</m:t>
+                        </m:r>
+                      </m:sub>
+                    </m:sSub>
+                    <m:r>
+                      <a:rPr lang="de-DE" b="0" i="1" smtClean="0">
+                        <a:latin typeface="Cambria Math" panose="02040503050406030204" pitchFamily="18" charset="0"/>
+                      </a:rPr>
+                      <m:t>=</m:t>
+                    </m:r>
+                    <m:sSub>
+                      <m:sSubPr>
+                        <m:ctrlPr>
+                          <a:rPr lang="de-DE" i="1" smtClean="0">
+                            <a:latin typeface="Cambria Math" panose="02040503050406030204" pitchFamily="18" charset="0"/>
+                          </a:rPr>
+                        </m:ctrlPr>
+                      </m:sSubPr>
+                      <m:e>
+                        <m:r>
+                          <a:rPr lang="de-DE" b="0" i="1" smtClean="0">
+                            <a:latin typeface="Cambria Math" panose="02040503050406030204" pitchFamily="18" charset="0"/>
+                          </a:rPr>
+                          <m:t>𝑡</m:t>
+                        </m:r>
+                      </m:e>
+                      <m:sub>
+                        <m:r>
+                          <a:rPr lang="de-DE" b="0" i="1" smtClean="0">
+                            <a:latin typeface="Cambria Math" panose="02040503050406030204" pitchFamily="18" charset="0"/>
+                          </a:rPr>
+                          <m:t>0</m:t>
+                        </m:r>
+                      </m:sub>
+                    </m:sSub>
+                  </m:oMath>
+                </a14:m>
+                <a:r>
+                  <a:rPr lang="de-DE" dirty="0" smtClean="0"/>
+                  <a:t>-</a:t>
+                </a:r>
+                <a14:m>
+                  <m:oMath xmlns:m="http://schemas.openxmlformats.org/officeDocument/2006/math">
+                    <m:sSub>
+                      <m:sSubPr>
+                        <m:ctrlPr>
+                          <a:rPr lang="de-DE" i="1" dirty="0" smtClean="0">
+                            <a:latin typeface="Cambria Math" panose="02040503050406030204" pitchFamily="18" charset="0"/>
+                          </a:rPr>
+                        </m:ctrlPr>
+                      </m:sSubPr>
+                      <m:e>
+                        <m:r>
+                          <a:rPr lang="de-DE" b="0" i="1" dirty="0" smtClean="0">
+                            <a:latin typeface="Cambria Math" panose="02040503050406030204" pitchFamily="18" charset="0"/>
+                          </a:rPr>
+                          <m:t> </m:t>
+                        </m:r>
+                        <m:r>
+                          <a:rPr lang="de-DE" b="0" i="1" dirty="0" smtClean="0">
+                            <a:latin typeface="Cambria Math" panose="02040503050406030204" pitchFamily="18" charset="0"/>
+                          </a:rPr>
+                          <m:t>𝑡</m:t>
+                        </m:r>
+                      </m:e>
+                      <m:sub>
+                        <m:r>
+                          <a:rPr lang="de-DE" b="0" i="1" dirty="0" smtClean="0">
+                            <a:latin typeface="Cambria Math" panose="02040503050406030204" pitchFamily="18" charset="0"/>
+                          </a:rPr>
+                          <m:t>1</m:t>
+                        </m:r>
+                      </m:sub>
+                    </m:sSub>
+                  </m:oMath>
+                </a14:m>
+                <a:endParaRPr lang="de-DE" dirty="0"/>
+              </a:p>
+            </p:txBody>
+          </p:sp>
+        </mc:Choice>
+        <mc:Fallback>
+          <p:sp>
+            <p:nvSpPr>
+              <p:cNvPr id="30" name="Textfeld 29"/>
+              <p:cNvSpPr txBox="1">
+                <a:spLocks noRot="1" noChangeAspect="1" noMove="1" noResize="1" noEditPoints="1" noAdjustHandles="1" noChangeArrowheads="1" noChangeShapeType="1" noTextEdit="1"/>
+              </p:cNvSpPr>
+              <p:nvPr/>
+            </p:nvSpPr>
+            <p:spPr>
+              <a:xfrm>
+                <a:off x="657298" y="4151145"/>
+                <a:ext cx="1496702" cy="391582"/>
+              </a:xfrm>
+              <a:prstGeom prst="rect">
+                <a:avLst/>
+              </a:prstGeom>
+              <a:blipFill>
+                <a:blip r:embed="rId5"/>
+                <a:stretch>
+                  <a:fillRect t="-10938" b="-17188"/>
+                </a:stretch>
+              </a:blipFill>
+            </p:spPr>
+            <p:txBody>
+              <a:bodyPr/>
+              <a:lstStyle/>
+              <a:p>
+                <a:r>
+                  <a:rPr lang="de-DE">
+                    <a:noFill/>
+                  </a:rPr>
+                  <a:t> </a:t>
+                </a:r>
+              </a:p>
+            </p:txBody>
+          </p:sp>
+        </mc:Fallback>
+      </mc:AlternateContent>
     </p:spTree>
     <p:extLst>
       <p:ext uri="{BB962C8B-B14F-4D97-AF65-F5344CB8AC3E}">
